--- a/lectures/powerpoints/Welcome and overview.pptx
+++ b/lectures/powerpoints/Welcome and overview.pptx
@@ -5,17 +5,19 @@
     <p:sldMasterId id="2147483660" r:id="rId1"/>
   </p:sldMasterIdLst>
   <p:notesMasterIdLst>
-    <p:notesMasterId r:id="rId7"/>
+    <p:notesMasterId r:id="rId9"/>
   </p:notesMasterIdLst>
   <p:handoutMasterIdLst>
-    <p:handoutMasterId r:id="rId8"/>
+    <p:handoutMasterId r:id="rId10"/>
   </p:handoutMasterIdLst>
   <p:sldIdLst>
     <p:sldId id="286" r:id="rId2"/>
     <p:sldId id="304" r:id="rId3"/>
-    <p:sldId id="305" r:id="rId4"/>
-    <p:sldId id="303" r:id="rId5"/>
-    <p:sldId id="306" r:id="rId6"/>
+    <p:sldId id="307" r:id="rId4"/>
+    <p:sldId id="308" r:id="rId5"/>
+    <p:sldId id="305" r:id="rId6"/>
+    <p:sldId id="303" r:id="rId7"/>
+    <p:sldId id="306" r:id="rId8"/>
   </p:sldIdLst>
   <p:sldSz cx="12192000" cy="6858000"/>
   <p:notesSz cx="6858000" cy="9144000"/>
@@ -139,7 +141,7 @@
 <file path=ppt/revisionInfo.xml><?xml version="1.0" encoding="utf-8"?>
 <p1510:revInfo xmlns:a="http://schemas.openxmlformats.org/drawingml/2006/main" xmlns:r="http://schemas.openxmlformats.org/officeDocument/2006/relationships" xmlns:p1510="http://schemas.microsoft.com/office/powerpoint/2015/10/main">
   <p1510:revLst>
-    <p1510:client id="{3A9716A7-7A30-4C55-8262-4AF583D73EA4}" v="60" dt="2023-11-29T22:45:31.875"/>
+    <p1510:client id="{D9727109-CA21-46D6-8CA1-1D8F9B04FC13}" v="34" dt="2023-12-19T18:30:04.757"/>
   </p1510:revLst>
 </p1510:revInfo>
 </file>
@@ -201,7 +203,7 @@
           <a:p>
             <a:fld id="{237A3326-6BE8-4DE2-A526-66D6DC5DC342}" type="datetimeFigureOut">
               <a:rPr lang="en-GB" smtClean="0"/>
-              <a:t>29/11/2023</a:t>
+              <a:t>19/12/2023</a:t>
             </a:fld>
             <a:endParaRPr lang="en-GB"/>
           </a:p>
@@ -378,7 +380,7 @@
           <a:p>
             <a:fld id="{198E9702-0021-4473-93B9-41638846F4C4}" type="datetimeFigureOut">
               <a:rPr lang="en-GB" smtClean="0"/>
-              <a:t>29/11/2023</a:t>
+              <a:t>19/12/2023</a:t>
             </a:fld>
             <a:endParaRPr lang="en-GB"/>
           </a:p>
@@ -890,7 +892,7 @@
           <a:p>
             <a:fld id="{B1836D41-3C4D-1D49-AA54-4231464E6415}" type="datetimeFigureOut">
               <a:rPr lang="en-US" smtClean="0"/>
-              <a:t>11/29/2023</a:t>
+              <a:t>12/19/2023</a:t>
             </a:fld>
             <a:endParaRPr lang="en-US"/>
           </a:p>
@@ -1094,7 +1096,7 @@
           <a:p>
             <a:fld id="{B1836D41-3C4D-1D49-AA54-4231464E6415}" type="datetimeFigureOut">
               <a:rPr lang="en-US" smtClean="0"/>
-              <a:t>11/29/2023</a:t>
+              <a:t>12/19/2023</a:t>
             </a:fld>
             <a:endParaRPr lang="en-US"/>
           </a:p>
@@ -1275,7 +1277,7 @@
           <a:p>
             <a:fld id="{B1836D41-3C4D-1D49-AA54-4231464E6415}" type="datetimeFigureOut">
               <a:rPr lang="en-US" smtClean="0"/>
-              <a:t>11/29/2023</a:t>
+              <a:t>12/19/2023</a:t>
             </a:fld>
             <a:endParaRPr lang="en-US"/>
           </a:p>
@@ -1450,7 +1452,7 @@
           <a:p>
             <a:fld id="{B1836D41-3C4D-1D49-AA54-4231464E6415}" type="datetimeFigureOut">
               <a:rPr lang="en-US" smtClean="0"/>
-              <a:t>11/29/2023</a:t>
+              <a:t>12/19/2023</a:t>
             </a:fld>
             <a:endParaRPr lang="en-US"/>
           </a:p>
@@ -1698,7 +1700,7 @@
           <a:p>
             <a:fld id="{B1836D41-3C4D-1D49-AA54-4231464E6415}" type="datetimeFigureOut">
               <a:rPr lang="en-US" smtClean="0"/>
-              <a:t>11/29/2023</a:t>
+              <a:t>12/19/2023</a:t>
             </a:fld>
             <a:endParaRPr lang="en-US"/>
           </a:p>
@@ -2015,7 +2017,7 @@
           <a:p>
             <a:fld id="{B1836D41-3C4D-1D49-AA54-4231464E6415}" type="datetimeFigureOut">
               <a:rPr lang="en-US" smtClean="0"/>
-              <a:t>11/29/2023</a:t>
+              <a:t>12/19/2023</a:t>
             </a:fld>
             <a:endParaRPr lang="en-US"/>
           </a:p>
@@ -2481,7 +2483,7 @@
           <a:p>
             <a:fld id="{B1836D41-3C4D-1D49-AA54-4231464E6415}" type="datetimeFigureOut">
               <a:rPr lang="en-US" smtClean="0"/>
-              <a:t>11/29/2023</a:t>
+              <a:t>12/19/2023</a:t>
             </a:fld>
             <a:endParaRPr lang="en-US"/>
           </a:p>
@@ -2628,7 +2630,7 @@
           <a:p>
             <a:fld id="{B1836D41-3C4D-1D49-AA54-4231464E6415}" type="datetimeFigureOut">
               <a:rPr lang="en-US" smtClean="0"/>
-              <a:t>11/29/2023</a:t>
+              <a:t>12/19/2023</a:t>
             </a:fld>
             <a:endParaRPr lang="en-US"/>
           </a:p>
@@ -2718,7 +2720,7 @@
           <a:p>
             <a:fld id="{B1836D41-3C4D-1D49-AA54-4231464E6415}" type="datetimeFigureOut">
               <a:rPr lang="en-US" smtClean="0"/>
-              <a:t>11/29/2023</a:t>
+              <a:t>12/19/2023</a:t>
             </a:fld>
             <a:endParaRPr lang="en-US"/>
           </a:p>
@@ -2992,7 +2994,7 @@
           <a:p>
             <a:fld id="{B1836D41-3C4D-1D49-AA54-4231464E6415}" type="datetimeFigureOut">
               <a:rPr lang="en-US" smtClean="0"/>
-              <a:t>11/29/2023</a:t>
+              <a:t>12/19/2023</a:t>
             </a:fld>
             <a:endParaRPr lang="en-US"/>
           </a:p>
@@ -3297,7 +3299,7 @@
           <a:p>
             <a:fld id="{B1836D41-3C4D-1D49-AA54-4231464E6415}" type="datetimeFigureOut">
               <a:rPr lang="en-US" smtClean="0"/>
-              <a:t>11/29/2023</a:t>
+              <a:t>12/19/2023</a:t>
             </a:fld>
             <a:endParaRPr lang="en-US"/>
           </a:p>
@@ -3594,7 +3596,7 @@
           <a:p>
             <a:fld id="{B1836D41-3C4D-1D49-AA54-4231464E6415}" type="datetimeFigureOut">
               <a:rPr lang="en-US" smtClean="0"/>
-              <a:t>11/29/2023</a:t>
+              <a:t>12/19/2023</a:t>
             </a:fld>
             <a:endParaRPr lang="en-US"/>
           </a:p>
@@ -4568,17 +4570,75 @@
         </p:nvSpPr>
         <p:spPr>
           <a:xfrm>
-            <a:off x="609600" y="1600200"/>
-            <a:ext cx="8582744" cy="2404864"/>
+            <a:off x="582592" y="1315616"/>
+            <a:ext cx="8582744" cy="2836912"/>
           </a:xfrm>
         </p:spPr>
         <p:txBody>
-          <a:bodyPr/>
+          <a:bodyPr>
+            <a:normAutofit fontScale="92500" lnSpcReduction="10000"/>
+          </a:bodyPr>
           <a:lstStyle/>
           <a:p>
             <a:r>
               <a:rPr lang="en-GB" dirty="0"/>
-              <a:t>HPC w</a:t>
+              <a:t>Many HPC codes scale poorly across nodes</a:t>
+            </a:r>
+          </a:p>
+          <a:p>
+            <a:pPr lvl="1"/>
+            <a:r>
+              <a:rPr lang="en-GB" dirty="0"/>
+              <a:t>Such as </a:t>
+            </a:r>
+            <a:r>
+              <a:rPr lang="en-US" dirty="0"/>
+              <a:t>FFT-based solvers, particle simulators, non-linear problems with iterative solvers</a:t>
+            </a:r>
+          </a:p>
+          <a:p>
+            <a:pPr lvl="1"/>
+            <a:r>
+              <a:rPr lang="en-US" dirty="0"/>
+              <a:t>The CS-2 has a fabric that is </a:t>
+            </a:r>
+            <a:r>
+              <a:rPr lang="en-US" b="1" dirty="0"/>
+              <a:t>high bandwidth </a:t>
+            </a:r>
+            <a:r>
+              <a:rPr lang="en-US" dirty="0"/>
+              <a:t>and </a:t>
+            </a:r>
+            <a:r>
+              <a:rPr lang="en-US" b="1" dirty="0"/>
+              <a:t>low-latency</a:t>
+            </a:r>
+            <a:r>
+              <a:rPr lang="en-US" dirty="0"/>
+              <a:t>, allowing for excellent parallel efficiency for non-linear and highly communicative codes</a:t>
+            </a:r>
+          </a:p>
+          <a:p>
+            <a:pPr lvl="2"/>
+            <a:r>
+              <a:rPr lang="en-US" dirty="0"/>
+              <a:t>The CS-2 system has </a:t>
+            </a:r>
+            <a:r>
+              <a:rPr lang="en-US" b="1" dirty="0"/>
+              <a:t>850k cores </a:t>
+            </a:r>
+            <a:r>
+              <a:rPr lang="en-US" dirty="0"/>
+              <a:t>and can fit problems on an individual chip that take tens to hundreds of traditional small compute nodes. </a:t>
+            </a:r>
+          </a:p>
+          <a:p>
+            <a:pPr lvl="2"/>
+            <a:r>
+              <a:rPr lang="en-US" dirty="0"/>
+              <a:t>Each core is individually programmable </a:t>
             </a:r>
           </a:p>
           <a:p>
@@ -4586,214 +4646,12 @@
             <a:endParaRPr lang="en-GB" dirty="0"/>
           </a:p>
           <a:p>
-            <a:endParaRPr lang="en-GB" dirty="0"/>
-          </a:p>
-        </p:txBody>
-      </p:sp>
-      <p:sp>
-        <p:nvSpPr>
-          <p:cNvPr id="5" name="Content Placeholder 2">
-            <a:extLst>
-              <a:ext uri="{FF2B5EF4-FFF2-40B4-BE49-F238E27FC236}">
-                <a16:creationId xmlns:a16="http://schemas.microsoft.com/office/drawing/2014/main" id="{3AA585EA-B9C7-2920-14D7-D1E8FE571F79}"/>
-              </a:ext>
-            </a:extLst>
-          </p:cNvPr>
-          <p:cNvSpPr txBox="1">
-            <a:spLocks/>
-          </p:cNvSpPr>
-          <p:nvPr/>
-        </p:nvSpPr>
-        <p:spPr>
-          <a:xfrm>
-            <a:off x="609600" y="3789040"/>
-            <a:ext cx="10972800" cy="2143125"/>
-          </a:xfrm>
-          <a:prstGeom prst="rect">
-            <a:avLst/>
-          </a:prstGeom>
-        </p:spPr>
-        <p:txBody>
-          <a:bodyPr vert="horz" lIns="91440" tIns="45720" rIns="91440" bIns="45720" rtlCol="0">
-            <a:normAutofit/>
-          </a:bodyPr>
-          <a:lstStyle>
-            <a:lvl1pPr marL="182880" indent="-182880" algn="l" defTabSz="914400" rtl="0" eaLnBrk="1" latinLnBrk="0" hangingPunct="1">
-              <a:spcBef>
-                <a:spcPct val="20000"/>
-              </a:spcBef>
-              <a:buClr>
-                <a:schemeClr val="accent1"/>
-              </a:buClr>
-              <a:buSzPct val="85000"/>
-              <a:buFont typeface="Arial" pitchFamily="34" charset="0"/>
-              <a:buChar char="•"/>
-              <a:defRPr sz="2400" kern="1200">
-                <a:solidFill>
-                  <a:schemeClr val="tx1"/>
-                </a:solidFill>
-                <a:latin typeface="+mn-lt"/>
-                <a:ea typeface="+mn-ea"/>
-                <a:cs typeface="+mn-cs"/>
-              </a:defRPr>
-            </a:lvl1pPr>
-            <a:lvl2pPr marL="457200" indent="-182880" algn="l" defTabSz="914400" rtl="0" eaLnBrk="1" latinLnBrk="0" hangingPunct="1">
-              <a:spcBef>
-                <a:spcPct val="20000"/>
-              </a:spcBef>
-              <a:buClr>
-                <a:schemeClr val="accent1"/>
-              </a:buClr>
-              <a:buSzPct val="85000"/>
-              <a:buFont typeface="Arial" pitchFamily="34" charset="0"/>
-              <a:buChar char="•"/>
-              <a:defRPr sz="2000" kern="1200">
-                <a:solidFill>
-                  <a:schemeClr val="tx1"/>
-                </a:solidFill>
-                <a:latin typeface="+mn-lt"/>
-                <a:ea typeface="+mn-ea"/>
-                <a:cs typeface="+mn-cs"/>
-              </a:defRPr>
-            </a:lvl2pPr>
-            <a:lvl3pPr marL="731520" indent="-182880" algn="l" defTabSz="914400" rtl="0" eaLnBrk="1" latinLnBrk="0" hangingPunct="1">
-              <a:spcBef>
-                <a:spcPct val="20000"/>
-              </a:spcBef>
-              <a:buClr>
-                <a:schemeClr val="accent1"/>
-              </a:buClr>
-              <a:buSzPct val="90000"/>
-              <a:buFont typeface="Arial" pitchFamily="34" charset="0"/>
-              <a:buChar char="•"/>
-              <a:defRPr sz="1800" kern="1200">
-                <a:solidFill>
-                  <a:schemeClr val="tx1"/>
-                </a:solidFill>
-                <a:latin typeface="+mn-lt"/>
-                <a:ea typeface="+mn-ea"/>
-                <a:cs typeface="+mn-cs"/>
-              </a:defRPr>
-            </a:lvl3pPr>
-            <a:lvl4pPr marL="1005840" indent="-182880" algn="l" defTabSz="914400" rtl="0" eaLnBrk="1" latinLnBrk="0" hangingPunct="1">
-              <a:spcBef>
-                <a:spcPct val="20000"/>
-              </a:spcBef>
-              <a:buClr>
-                <a:schemeClr val="accent1"/>
-              </a:buClr>
-              <a:buFont typeface="Arial" pitchFamily="34" charset="0"/>
-              <a:buChar char="•"/>
-              <a:defRPr sz="1600" kern="1200">
-                <a:solidFill>
-                  <a:schemeClr val="tx1"/>
-                </a:solidFill>
-                <a:latin typeface="+mn-lt"/>
-                <a:ea typeface="+mn-ea"/>
-                <a:cs typeface="+mn-cs"/>
-              </a:defRPr>
-            </a:lvl4pPr>
-            <a:lvl5pPr marL="1188720" indent="-137160" algn="l" defTabSz="914400" rtl="0" eaLnBrk="1" latinLnBrk="0" hangingPunct="1">
-              <a:spcBef>
-                <a:spcPct val="20000"/>
-              </a:spcBef>
-              <a:buClr>
-                <a:schemeClr val="accent1"/>
-              </a:buClr>
-              <a:buSzPct val="100000"/>
-              <a:buFont typeface="Arial" pitchFamily="34" charset="0"/>
-              <a:buChar char="•"/>
-              <a:defRPr sz="1400" kern="1200" baseline="0">
-                <a:solidFill>
-                  <a:schemeClr val="tx1"/>
-                </a:solidFill>
-                <a:latin typeface="+mn-lt"/>
-                <a:ea typeface="+mn-ea"/>
-                <a:cs typeface="+mn-cs"/>
-              </a:defRPr>
-            </a:lvl5pPr>
-            <a:lvl6pPr marL="1371600" indent="-182880" algn="l" defTabSz="914400" rtl="0" eaLnBrk="1" latinLnBrk="0" hangingPunct="1">
-              <a:spcBef>
-                <a:spcPct val="20000"/>
-              </a:spcBef>
-              <a:buClr>
-                <a:schemeClr val="accent1"/>
-              </a:buClr>
-              <a:buFont typeface="Arial" pitchFamily="34" charset="0"/>
-              <a:buChar char="•"/>
-              <a:defRPr sz="1300" kern="1200">
-                <a:solidFill>
-                  <a:schemeClr val="tx1"/>
-                </a:solidFill>
-                <a:latin typeface="+mn-lt"/>
-                <a:ea typeface="+mn-ea"/>
-                <a:cs typeface="+mn-cs"/>
-              </a:defRPr>
-            </a:lvl6pPr>
-            <a:lvl7pPr marL="1554480" indent="-182880" algn="l" defTabSz="914400" rtl="0" eaLnBrk="1" latinLnBrk="0" hangingPunct="1">
-              <a:spcBef>
-                <a:spcPct val="20000"/>
-              </a:spcBef>
-              <a:buClr>
-                <a:schemeClr val="accent1"/>
-              </a:buClr>
-              <a:buFont typeface="Arial" pitchFamily="34" charset="0"/>
-              <a:buChar char="•"/>
-              <a:defRPr sz="1300" kern="1200">
-                <a:solidFill>
-                  <a:schemeClr val="tx1"/>
-                </a:solidFill>
-                <a:latin typeface="+mn-lt"/>
-                <a:ea typeface="+mn-ea"/>
-                <a:cs typeface="+mn-cs"/>
-              </a:defRPr>
-            </a:lvl7pPr>
-            <a:lvl8pPr marL="1737360" indent="-182880" algn="l" defTabSz="914400" rtl="0" eaLnBrk="1" latinLnBrk="0" hangingPunct="1">
-              <a:spcBef>
-                <a:spcPct val="20000"/>
-              </a:spcBef>
-              <a:buClr>
-                <a:schemeClr val="accent1"/>
-              </a:buClr>
-              <a:buFont typeface="Arial" pitchFamily="34" charset="0"/>
-              <a:buChar char="•"/>
-              <a:defRPr sz="1300" kern="1200">
-                <a:solidFill>
-                  <a:schemeClr val="tx1"/>
-                </a:solidFill>
-                <a:latin typeface="+mn-lt"/>
-                <a:ea typeface="+mn-ea"/>
-                <a:cs typeface="+mn-cs"/>
-              </a:defRPr>
-            </a:lvl8pPr>
-            <a:lvl9pPr marL="1920240" indent="-182880" algn="l" defTabSz="914400" rtl="0" eaLnBrk="1" latinLnBrk="0" hangingPunct="1">
-              <a:spcBef>
-                <a:spcPct val="20000"/>
-              </a:spcBef>
-              <a:buClr>
-                <a:schemeClr val="accent1"/>
-              </a:buClr>
-              <a:buFont typeface="Arial" pitchFamily="34" charset="0"/>
-              <a:buChar char="•"/>
-              <a:defRPr sz="1300" kern="1200">
-                <a:solidFill>
-                  <a:schemeClr val="tx1"/>
-                </a:solidFill>
-                <a:latin typeface="+mn-lt"/>
-                <a:ea typeface="+mn-ea"/>
-                <a:cs typeface="+mn-cs"/>
-              </a:defRPr>
-            </a:lvl9pPr>
-          </a:lstStyle>
-          <a:p>
             <a:pPr lvl="1"/>
             <a:endParaRPr lang="en-GB" dirty="0"/>
           </a:p>
           <a:p>
-            <a:r>
-              <a:rPr lang="en-GB" dirty="0"/>
-              <a:t>CS-2 solves this by ….</a:t>
-            </a:r>
+            <a:pPr lvl="1"/>
+            <a:endParaRPr lang="en-GB" dirty="0"/>
           </a:p>
           <a:p>
             <a:endParaRPr lang="en-GB" dirty="0"/>
@@ -4829,8 +4687,8 @@
         </p:blipFill>
         <p:spPr bwMode="auto">
           <a:xfrm>
-            <a:off x="9480376" y="1721020"/>
-            <a:ext cx="2562242" cy="1828800"/>
+            <a:off x="9070106" y="1556792"/>
+            <a:ext cx="2930550" cy="2091680"/>
           </a:xfrm>
           <a:prstGeom prst="rect">
             <a:avLst/>
@@ -4847,6 +4705,321 @@
           </a:extLst>
         </p:spPr>
       </p:pic>
+      <p:pic>
+        <p:nvPicPr>
+          <p:cNvPr id="4" name="Google Shape;270;p45">
+            <a:extLst>
+              <a:ext uri="{FF2B5EF4-FFF2-40B4-BE49-F238E27FC236}">
+                <a16:creationId xmlns:a16="http://schemas.microsoft.com/office/drawing/2014/main" id="{CB7A2950-4C4E-9AAF-859C-56537C58F319}"/>
+              </a:ext>
+            </a:extLst>
+          </p:cNvPr>
+          <p:cNvPicPr preferRelativeResize="0"/>
+          <p:nvPr/>
+        </p:nvPicPr>
+        <p:blipFill>
+          <a:blip r:embed="rId3">
+            <a:alphaModFix/>
+          </a:blip>
+          <a:stretch>
+            <a:fillRect/>
+          </a:stretch>
+        </p:blipFill>
+        <p:spPr>
+          <a:xfrm>
+            <a:off x="191344" y="4437112"/>
+            <a:ext cx="2664296" cy="2160240"/>
+          </a:xfrm>
+          <a:prstGeom prst="rect">
+            <a:avLst/>
+          </a:prstGeom>
+          <a:noFill/>
+          <a:ln>
+            <a:noFill/>
+          </a:ln>
+        </p:spPr>
+      </p:pic>
+      <p:sp>
+        <p:nvSpPr>
+          <p:cNvPr id="6" name="Content Placeholder 2">
+            <a:extLst>
+              <a:ext uri="{FF2B5EF4-FFF2-40B4-BE49-F238E27FC236}">
+                <a16:creationId xmlns:a16="http://schemas.microsoft.com/office/drawing/2014/main" id="{8E555426-3B3E-743C-5911-2F7A65670DCC}"/>
+              </a:ext>
+            </a:extLst>
+          </p:cNvPr>
+          <p:cNvSpPr txBox="1">
+            <a:spLocks/>
+          </p:cNvSpPr>
+          <p:nvPr/>
+        </p:nvSpPr>
+        <p:spPr>
+          <a:xfrm>
+            <a:off x="2927648" y="4077072"/>
+            <a:ext cx="9073008" cy="2692896"/>
+          </a:xfrm>
+          <a:prstGeom prst="rect">
+            <a:avLst/>
+          </a:prstGeom>
+        </p:spPr>
+        <p:txBody>
+          <a:bodyPr vert="horz" lIns="91440" tIns="45720" rIns="91440" bIns="45720" rtlCol="0">
+            <a:normAutofit lnSpcReduction="10000"/>
+          </a:bodyPr>
+          <a:lstStyle>
+            <a:lvl1pPr marL="182880" indent="-182880" algn="l" defTabSz="914400" rtl="0" eaLnBrk="1" latinLnBrk="0" hangingPunct="1">
+              <a:spcBef>
+                <a:spcPct val="20000"/>
+              </a:spcBef>
+              <a:buClr>
+                <a:schemeClr val="accent1"/>
+              </a:buClr>
+              <a:buSzPct val="85000"/>
+              <a:buFont typeface="Arial" pitchFamily="34" charset="0"/>
+              <a:buChar char="•"/>
+              <a:defRPr sz="2400" kern="1200">
+                <a:solidFill>
+                  <a:schemeClr val="tx1"/>
+                </a:solidFill>
+                <a:latin typeface="+mn-lt"/>
+                <a:ea typeface="+mn-ea"/>
+                <a:cs typeface="+mn-cs"/>
+              </a:defRPr>
+            </a:lvl1pPr>
+            <a:lvl2pPr marL="457200" indent="-182880" algn="l" defTabSz="914400" rtl="0" eaLnBrk="1" latinLnBrk="0" hangingPunct="1">
+              <a:spcBef>
+                <a:spcPct val="20000"/>
+              </a:spcBef>
+              <a:buClr>
+                <a:schemeClr val="accent1"/>
+              </a:buClr>
+              <a:buSzPct val="85000"/>
+              <a:buFont typeface="Arial" pitchFamily="34" charset="0"/>
+              <a:buChar char="•"/>
+              <a:defRPr sz="2000" kern="1200">
+                <a:solidFill>
+                  <a:schemeClr val="tx1"/>
+                </a:solidFill>
+                <a:latin typeface="+mn-lt"/>
+                <a:ea typeface="+mn-ea"/>
+                <a:cs typeface="+mn-cs"/>
+              </a:defRPr>
+            </a:lvl2pPr>
+            <a:lvl3pPr marL="731520" indent="-182880" algn="l" defTabSz="914400" rtl="0" eaLnBrk="1" latinLnBrk="0" hangingPunct="1">
+              <a:spcBef>
+                <a:spcPct val="20000"/>
+              </a:spcBef>
+              <a:buClr>
+                <a:schemeClr val="accent1"/>
+              </a:buClr>
+              <a:buSzPct val="90000"/>
+              <a:buFont typeface="Arial" pitchFamily="34" charset="0"/>
+              <a:buChar char="•"/>
+              <a:defRPr sz="1800" kern="1200">
+                <a:solidFill>
+                  <a:schemeClr val="tx1"/>
+                </a:solidFill>
+                <a:latin typeface="+mn-lt"/>
+                <a:ea typeface="+mn-ea"/>
+                <a:cs typeface="+mn-cs"/>
+              </a:defRPr>
+            </a:lvl3pPr>
+            <a:lvl4pPr marL="1005840" indent="-182880" algn="l" defTabSz="914400" rtl="0" eaLnBrk="1" latinLnBrk="0" hangingPunct="1">
+              <a:spcBef>
+                <a:spcPct val="20000"/>
+              </a:spcBef>
+              <a:buClr>
+                <a:schemeClr val="accent1"/>
+              </a:buClr>
+              <a:buFont typeface="Arial" pitchFamily="34" charset="0"/>
+              <a:buChar char="•"/>
+              <a:defRPr sz="1600" kern="1200">
+                <a:solidFill>
+                  <a:schemeClr val="tx1"/>
+                </a:solidFill>
+                <a:latin typeface="+mn-lt"/>
+                <a:ea typeface="+mn-ea"/>
+                <a:cs typeface="+mn-cs"/>
+              </a:defRPr>
+            </a:lvl4pPr>
+            <a:lvl5pPr marL="1188720" indent="-137160" algn="l" defTabSz="914400" rtl="0" eaLnBrk="1" latinLnBrk="0" hangingPunct="1">
+              <a:spcBef>
+                <a:spcPct val="20000"/>
+              </a:spcBef>
+              <a:buClr>
+                <a:schemeClr val="accent1"/>
+              </a:buClr>
+              <a:buSzPct val="100000"/>
+              <a:buFont typeface="Arial" pitchFamily="34" charset="0"/>
+              <a:buChar char="•"/>
+              <a:defRPr sz="1400" kern="1200" baseline="0">
+                <a:solidFill>
+                  <a:schemeClr val="tx1"/>
+                </a:solidFill>
+                <a:latin typeface="+mn-lt"/>
+                <a:ea typeface="+mn-ea"/>
+                <a:cs typeface="+mn-cs"/>
+              </a:defRPr>
+            </a:lvl5pPr>
+            <a:lvl6pPr marL="1371600" indent="-182880" algn="l" defTabSz="914400" rtl="0" eaLnBrk="1" latinLnBrk="0" hangingPunct="1">
+              <a:spcBef>
+                <a:spcPct val="20000"/>
+              </a:spcBef>
+              <a:buClr>
+                <a:schemeClr val="accent1"/>
+              </a:buClr>
+              <a:buFont typeface="Arial" pitchFamily="34" charset="0"/>
+              <a:buChar char="•"/>
+              <a:defRPr sz="1300" kern="1200">
+                <a:solidFill>
+                  <a:schemeClr val="tx1"/>
+                </a:solidFill>
+                <a:latin typeface="+mn-lt"/>
+                <a:ea typeface="+mn-ea"/>
+                <a:cs typeface="+mn-cs"/>
+              </a:defRPr>
+            </a:lvl6pPr>
+            <a:lvl7pPr marL="1554480" indent="-182880" algn="l" defTabSz="914400" rtl="0" eaLnBrk="1" latinLnBrk="0" hangingPunct="1">
+              <a:spcBef>
+                <a:spcPct val="20000"/>
+              </a:spcBef>
+              <a:buClr>
+                <a:schemeClr val="accent1"/>
+              </a:buClr>
+              <a:buFont typeface="Arial" pitchFamily="34" charset="0"/>
+              <a:buChar char="•"/>
+              <a:defRPr sz="1300" kern="1200">
+                <a:solidFill>
+                  <a:schemeClr val="tx1"/>
+                </a:solidFill>
+                <a:latin typeface="+mn-lt"/>
+                <a:ea typeface="+mn-ea"/>
+                <a:cs typeface="+mn-cs"/>
+              </a:defRPr>
+            </a:lvl7pPr>
+            <a:lvl8pPr marL="1737360" indent="-182880" algn="l" defTabSz="914400" rtl="0" eaLnBrk="1" latinLnBrk="0" hangingPunct="1">
+              <a:spcBef>
+                <a:spcPct val="20000"/>
+              </a:spcBef>
+              <a:buClr>
+                <a:schemeClr val="accent1"/>
+              </a:buClr>
+              <a:buFont typeface="Arial" pitchFamily="34" charset="0"/>
+              <a:buChar char="•"/>
+              <a:defRPr sz="1300" kern="1200">
+                <a:solidFill>
+                  <a:schemeClr val="tx1"/>
+                </a:solidFill>
+                <a:latin typeface="+mn-lt"/>
+                <a:ea typeface="+mn-ea"/>
+                <a:cs typeface="+mn-cs"/>
+              </a:defRPr>
+            </a:lvl8pPr>
+            <a:lvl9pPr marL="1920240" indent="-182880" algn="l" defTabSz="914400" rtl="0" eaLnBrk="1" latinLnBrk="0" hangingPunct="1">
+              <a:spcBef>
+                <a:spcPct val="20000"/>
+              </a:spcBef>
+              <a:buClr>
+                <a:schemeClr val="accent1"/>
+              </a:buClr>
+              <a:buFont typeface="Arial" pitchFamily="34" charset="0"/>
+              <a:buChar char="•"/>
+              <a:defRPr sz="1300" kern="1200">
+                <a:solidFill>
+                  <a:schemeClr val="tx1"/>
+                </a:solidFill>
+                <a:latin typeface="+mn-lt"/>
+                <a:ea typeface="+mn-ea"/>
+                <a:cs typeface="+mn-cs"/>
+              </a:defRPr>
+            </a:lvl9pPr>
+          </a:lstStyle>
+          <a:p>
+            <a:r>
+              <a:rPr lang="en-GB" dirty="0"/>
+              <a:t>Many HPC codes are constrained by data accesses</a:t>
+            </a:r>
+          </a:p>
+          <a:p>
+            <a:pPr lvl="1"/>
+            <a:r>
+              <a:rPr lang="en-GB" dirty="0"/>
+              <a:t>Such as </a:t>
+            </a:r>
+            <a:r>
+              <a:rPr lang="en-US" dirty="0"/>
+              <a:t>Stencil based PDE solvers, linear algebra solvers, signal processing, sparse tensor math, big data analysis</a:t>
+            </a:r>
+          </a:p>
+          <a:p>
+            <a:pPr lvl="1"/>
+            <a:r>
+              <a:rPr lang="en-US" dirty="0"/>
+              <a:t>The CS-2 system has </a:t>
+            </a:r>
+            <a:r>
+              <a:rPr lang="en-US" b="1" dirty="0"/>
+              <a:t>40 GB of SRAM </a:t>
+            </a:r>
+            <a:r>
+              <a:rPr lang="en-US" dirty="0"/>
+              <a:t>uniformly distributed across the wafer that is </a:t>
+            </a:r>
+            <a:r>
+              <a:rPr lang="en-US" b="1" dirty="0"/>
+              <a:t>1 cycle </a:t>
+            </a:r>
+            <a:r>
+              <a:rPr lang="en-US" dirty="0"/>
+              <a:t>away from the processing element (PE)</a:t>
+            </a:r>
+          </a:p>
+          <a:p>
+            <a:pPr lvl="2"/>
+            <a:r>
+              <a:rPr lang="en-US" dirty="0"/>
+              <a:t>This speeds up memory access by orders of magnitude</a:t>
+            </a:r>
+          </a:p>
+          <a:p>
+            <a:pPr lvl="1"/>
+            <a:r>
+              <a:rPr lang="en-US" dirty="0"/>
+              <a:t>The CS-2 system is capable of </a:t>
+            </a:r>
+            <a:r>
+              <a:rPr lang="en-US" b="1" dirty="0"/>
+              <a:t>1.2 Tb/s bandwidth </a:t>
+            </a:r>
+            <a:r>
+              <a:rPr lang="en-US" dirty="0"/>
+              <a:t>onto the chip</a:t>
+            </a:r>
+          </a:p>
+          <a:p>
+            <a:pPr lvl="2"/>
+            <a:r>
+              <a:rPr lang="en-US" dirty="0"/>
+              <a:t>Streaming data onto the chip as required</a:t>
+            </a:r>
+          </a:p>
+          <a:p>
+            <a:pPr lvl="1"/>
+            <a:endParaRPr lang="en-GB" dirty="0"/>
+          </a:p>
+          <a:p>
+            <a:pPr lvl="1"/>
+            <a:endParaRPr lang="en-GB" dirty="0"/>
+          </a:p>
+          <a:p>
+            <a:pPr lvl="1"/>
+            <a:endParaRPr lang="en-GB" dirty="0"/>
+          </a:p>
+          <a:p>
+            <a:endParaRPr lang="en-GB" dirty="0"/>
+          </a:p>
+        </p:txBody>
+      </p:sp>
     </p:spTree>
     <p:extLst>
       <p:ext uri="{BB962C8B-B14F-4D97-AF65-F5344CB8AC3E}">
@@ -4882,7 +5055,7 @@
           <p:cNvPr id="2" name="Title 1">
             <a:extLst>
               <a:ext uri="{FF2B5EF4-FFF2-40B4-BE49-F238E27FC236}">
-                <a16:creationId xmlns:a16="http://schemas.microsoft.com/office/drawing/2014/main" id="{5E1A72F6-92C0-1EA6-3A2B-5306275D0953}"/>
+                <a16:creationId xmlns:a16="http://schemas.microsoft.com/office/drawing/2014/main" id="{069AFAAA-E234-A69C-CA72-9C65D6C13B4B}"/>
               </a:ext>
             </a:extLst>
           </p:cNvPr>
@@ -4900,419 +5073,639 @@
           <a:p>
             <a:r>
               <a:rPr lang="en-GB" dirty="0"/>
-              <a:t>Learning objectives</a:t>
-            </a:r>
-          </a:p>
-        </p:txBody>
-      </p:sp>
-      <p:sp>
-        <p:nvSpPr>
-          <p:cNvPr id="3" name="Content Placeholder 2">
+              <a:t>Example: Accelerating seismic modelling</a:t>
+            </a:r>
+          </a:p>
+        </p:txBody>
+      </p:sp>
+      <p:sp>
+        <p:nvSpPr>
+          <p:cNvPr id="4" name="TextBox 3">
             <a:extLst>
               <a:ext uri="{FF2B5EF4-FFF2-40B4-BE49-F238E27FC236}">
-                <a16:creationId xmlns:a16="http://schemas.microsoft.com/office/drawing/2014/main" id="{13927218-93E6-868E-2777-9A4A3D209746}"/>
+                <a16:creationId xmlns:a16="http://schemas.microsoft.com/office/drawing/2014/main" id="{AF73B3F2-655C-E561-FE2A-E7DA9B9F6F0D}"/>
               </a:ext>
             </a:extLst>
           </p:cNvPr>
-          <p:cNvSpPr>
-            <a:spLocks noGrp="1"/>
-          </p:cNvSpPr>
-          <p:nvPr>
-            <p:ph idx="1"/>
-          </p:nvPr>
+          <p:cNvSpPr txBox="1"/>
+          <p:nvPr/>
         </p:nvSpPr>
         <p:spPr>
           <a:xfrm>
-            <a:off x="609600" y="1600200"/>
-            <a:ext cx="10972800" cy="5069160"/>
+            <a:off x="868862" y="2566468"/>
+            <a:ext cx="6013629" cy="954107"/>
           </a:xfrm>
+          <a:prstGeom prst="rect">
+            <a:avLst/>
+          </a:prstGeom>
+          <a:noFill/>
         </p:spPr>
         <p:txBody>
-          <a:bodyPr>
-            <a:normAutofit/>
+          <a:bodyPr wrap="square" lIns="91440" tIns="45720" rIns="91440" bIns="45720" anchor="t">
+            <a:spAutoFit/>
           </a:bodyPr>
           <a:lstStyle/>
           <a:p>
-            <a:pPr algn="just">
+            <a:pPr>
+              <a:defRPr/>
+            </a:pPr>
+            <a:r>
+              <a:rPr kumimoji="0" lang="en-US" sz="1400" b="1" i="0" u="none" strike="noStrike" kern="1200" cap="none" spc="0" normalizeH="0" baseline="0" noProof="0" dirty="0">
+                <a:ln>
+                  <a:noFill/>
+                </a:ln>
+                <a:solidFill>
+                  <a:srgbClr val="231F20"/>
+                </a:solidFill>
+                <a:effectLst/>
+                <a:uLnTx/>
+                <a:uFillTx/>
+                <a:latin typeface="Arial" panose="020B0604020202020204"/>
+                <a:ea typeface="+mn-ea"/>
+                <a:cs typeface="+mn-cs"/>
+              </a:rPr>
+              <a:t>Challenge:</a:t>
+            </a:r>
+            <a:r>
+              <a:rPr lang="en-US" sz="1400" b="1" dirty="0">
+                <a:solidFill>
+                  <a:srgbClr val="231F20"/>
+                </a:solidFill>
+                <a:latin typeface="Arial" panose="020B0604020202020204"/>
+              </a:rPr>
+              <a:t> </a:t>
+            </a:r>
+            <a:r>
+              <a:rPr kumimoji="0" lang="en-US" sz="1400" b="0" i="0" u="none" strike="noStrike" kern="1200" cap="none" spc="0" normalizeH="0" baseline="0" noProof="0" dirty="0">
+                <a:ln>
+                  <a:noFill/>
+                </a:ln>
+                <a:solidFill>
+                  <a:srgbClr val="231F20"/>
+                </a:solidFill>
+                <a:effectLst/>
+                <a:uLnTx/>
+                <a:uFillTx/>
+                <a:latin typeface="Arial" panose="020B0604020202020204"/>
+                <a:ea typeface="+mn-ea"/>
+                <a:cs typeface="+mn-cs"/>
+              </a:rPr>
+              <a:t>Seismic processing algorithms are typically memory-bound problems, limited by the memory access speeds of other architectures</a:t>
+            </a:r>
+            <a:r>
+              <a:rPr lang="en-US" sz="1400" dirty="0">
+                <a:solidFill>
+                  <a:srgbClr val="231F20"/>
+                </a:solidFill>
+                <a:latin typeface="Arial" panose="020B0604020202020204"/>
+              </a:rPr>
+              <a:t>. Researchers were challenged to re-design an algorithm to take advantage of </a:t>
+            </a:r>
+            <a:r>
+              <a:rPr lang="en-US" sz="1400" dirty="0" err="1">
+                <a:solidFill>
+                  <a:srgbClr val="231F20"/>
+                </a:solidFill>
+                <a:latin typeface="Arial" panose="020B0604020202020204"/>
+              </a:rPr>
+              <a:t>Cerebras</a:t>
+            </a:r>
+            <a:r>
+              <a:rPr lang="en-US" sz="1400" dirty="0">
+                <a:solidFill>
+                  <a:srgbClr val="231F20"/>
+                </a:solidFill>
+                <a:latin typeface="Arial" panose="020B0604020202020204"/>
+              </a:rPr>
+              <a:t> hardware to improve performance.</a:t>
+            </a:r>
+          </a:p>
+        </p:txBody>
+      </p:sp>
+      <p:sp>
+        <p:nvSpPr>
+          <p:cNvPr id="5" name="TextBox 4">
+            <a:extLst>
+              <a:ext uri="{FF2B5EF4-FFF2-40B4-BE49-F238E27FC236}">
+                <a16:creationId xmlns:a16="http://schemas.microsoft.com/office/drawing/2014/main" id="{A8025AEC-EA11-C914-5B34-699FD7E6F78B}"/>
+              </a:ext>
+            </a:extLst>
+          </p:cNvPr>
+          <p:cNvSpPr txBox="1"/>
+          <p:nvPr/>
+        </p:nvSpPr>
+        <p:spPr>
+          <a:xfrm>
+            <a:off x="827861" y="4879859"/>
+            <a:ext cx="5972989" cy="954107"/>
+          </a:xfrm>
+          <a:prstGeom prst="rect">
+            <a:avLst/>
+          </a:prstGeom>
+          <a:noFill/>
+        </p:spPr>
+        <p:txBody>
+          <a:bodyPr wrap="square" lIns="91440" tIns="45720" rIns="91440" bIns="45720" anchor="t">
+            <a:spAutoFit/>
+          </a:bodyPr>
+          <a:lstStyle/>
+          <a:p>
+            <a:pPr marL="0" marR="0" lvl="0" indent="0" algn="l" defTabSz="914400" rtl="0" eaLnBrk="1" fontAlgn="auto" latinLnBrk="0" hangingPunct="1">
               <a:lnSpc>
-                <a:spcPct val="107000"/>
+                <a:spcPct val="100000"/>
               </a:lnSpc>
-            </a:pPr>
-            <a:r>
-              <a:rPr lang="en-GB" sz="2000" dirty="0">
-                <a:effectLst/>
-                <a:latin typeface="Arial" panose="020B0604020202020204" pitchFamily="34" charset="0"/>
-                <a:ea typeface="Times New Roman" panose="02020603050405020304" pitchFamily="18" charset="0"/>
-                <a:cs typeface="Times New Roman" panose="02020603050405020304" pitchFamily="18" charset="0"/>
-              </a:rPr>
-              <a:t>This tutorial is open to everybody, regardless of experience with HPC and accelerators</a:t>
-            </a:r>
-          </a:p>
-          <a:p>
-            <a:pPr lvl="1" algn="just">
-              <a:lnSpc>
-                <a:spcPct val="107000"/>
-              </a:lnSpc>
-            </a:pPr>
-            <a:r>
-              <a:rPr lang="en-GB" sz="1600" dirty="0">
-                <a:latin typeface="Arial" panose="020B0604020202020204" pitchFamily="34" charset="0"/>
-                <a:ea typeface="Times New Roman" panose="02020603050405020304" pitchFamily="18" charset="0"/>
-                <a:cs typeface="Times New Roman" panose="02020603050405020304" pitchFamily="18" charset="0"/>
-              </a:rPr>
-              <a:t>Is practically driven, where we will walk-through key concepts on the machine itself, and then explore the concepts in combination via a series of walk-throughs</a:t>
-            </a:r>
-          </a:p>
-          <a:p>
-            <a:pPr marL="342900" lvl="0" indent="-342900" algn="just">
-              <a:lnSpc>
-                <a:spcPct val="107000"/>
-              </a:lnSpc>
-              <a:buFont typeface="+mj-lt"/>
-              <a:buAutoNum type="arabicPeriod"/>
-            </a:pPr>
-            <a:endParaRPr lang="en-GB" sz="1800" dirty="0">
-              <a:effectLst/>
-              <a:latin typeface="Arial" panose="020B0604020202020204" pitchFamily="34" charset="0"/>
-              <a:ea typeface="Times New Roman" panose="02020603050405020304" pitchFamily="18" charset="0"/>
-              <a:cs typeface="Times New Roman" panose="02020603050405020304" pitchFamily="18" charset="0"/>
-            </a:endParaRPr>
-          </a:p>
-          <a:p>
-            <a:pPr marL="342900" indent="-342900" fontAlgn="base">
-              <a:spcBef>
-                <a:spcPts val="0"/>
-              </a:spcBef>
-              <a:buFont typeface="+mj-lt"/>
-              <a:buAutoNum type="arabicPeriod"/>
-            </a:pPr>
-            <a:r>
-              <a:rPr lang="en-GB" sz="1800" b="0" i="0" u="none" strike="noStrike" dirty="0">
-                <a:solidFill>
-                  <a:srgbClr val="000000"/>
-                </a:solidFill>
-                <a:effectLst/>
-                <a:latin typeface="Arial" panose="020B0604020202020204" pitchFamily="34" charset="0"/>
-              </a:rPr>
-              <a:t>Understand the CS-2 architecture &amp; core concepts</a:t>
-            </a:r>
-          </a:p>
-          <a:p>
-            <a:pPr lvl="1" fontAlgn="base">
-              <a:spcBef>
-                <a:spcPts val="0"/>
-              </a:spcBef>
-            </a:pPr>
-            <a:r>
-              <a:rPr lang="en-GB" sz="1400" dirty="0">
-                <a:solidFill>
-                  <a:srgbClr val="000000"/>
-                </a:solidFill>
-                <a:latin typeface="Arial" panose="020B0604020202020204" pitchFamily="34" charset="0"/>
-              </a:rPr>
-              <a:t>We will explore the hardware, how it is designed the and type of workloads it suits</a:t>
-            </a:r>
-            <a:endParaRPr lang="en-GB" sz="1800" b="0" i="0" u="none" strike="noStrike" dirty="0">
-              <a:solidFill>
-                <a:srgbClr val="000000"/>
-              </a:solidFill>
-              <a:effectLst/>
-              <a:latin typeface="Arial" panose="020B0604020202020204" pitchFamily="34" charset="0"/>
-            </a:endParaRPr>
-          </a:p>
-          <a:p>
-            <a:pPr marL="342900" indent="-342900" rtl="0" fontAlgn="base">
               <a:spcBef>
                 <a:spcPts val="0"/>
               </a:spcBef>
               <a:spcAft>
                 <a:spcPts val="0"/>
               </a:spcAft>
-              <a:buFont typeface="+mj-lt"/>
-              <a:buAutoNum type="arabicPeriod"/>
+              <a:buClrTx/>
+              <a:buSzTx/>
+              <a:buFontTx/>
+              <a:buNone/>
+              <a:tabLst/>
+              <a:defRPr/>
             </a:pPr>
             <a:r>
-              <a:rPr lang="en-GB" sz="1800" b="0" i="0" u="none" strike="noStrike" dirty="0">
-                <a:solidFill>
-                  <a:srgbClr val="000000"/>
+              <a:rPr kumimoji="0" lang="en-US" sz="1400" b="1" i="0" u="none" strike="noStrike" kern="1200" cap="none" spc="0" normalizeH="0" baseline="0" noProof="0" dirty="0">
+                <a:ln>
+                  <a:noFill/>
+                </a:ln>
+                <a:solidFill>
+                  <a:srgbClr val="231F20"/>
                 </a:solidFill>
                 <a:effectLst/>
-                <a:latin typeface="Arial" panose="020B0604020202020204" pitchFamily="34" charset="0"/>
+                <a:uLnTx/>
+                <a:uFillTx/>
+                <a:latin typeface="Arial" panose="020B0604020202020204"/>
+                <a:ea typeface="+mn-ea"/>
+                <a:cs typeface="+mn-cs"/>
               </a:rPr>
-              <a:t>Get started with the </a:t>
-            </a:r>
-            <a:r>
-              <a:rPr lang="en-GB" sz="1800" b="0" i="0" u="none" strike="noStrike" dirty="0" err="1">
-                <a:solidFill>
-                  <a:srgbClr val="000000"/>
+              <a:t>Outcome:</a:t>
+            </a:r>
+            <a:r>
+              <a:rPr kumimoji="0" lang="en-US" sz="1400" b="0" i="0" u="none" strike="noStrike" kern="1200" cap="none" spc="0" normalizeH="0" baseline="0" noProof="0" dirty="0">
+                <a:ln>
+                  <a:noFill/>
+                </a:ln>
+                <a:solidFill>
+                  <a:srgbClr val="231F20"/>
                 </a:solidFill>
                 <a:effectLst/>
-                <a:latin typeface="Arial" panose="020B0604020202020204" pitchFamily="34" charset="0"/>
+                <a:uLnTx/>
+                <a:uFillTx/>
+                <a:latin typeface="Arial" panose="020B0604020202020204"/>
+                <a:ea typeface="+mn-ea"/>
+                <a:cs typeface="+mn-cs"/>
               </a:rPr>
-              <a:t>Cerebras</a:t>
-            </a:r>
-            <a:r>
-              <a:rPr lang="en-GB" sz="1800" b="0" i="0" u="none" strike="noStrike" dirty="0">
-                <a:solidFill>
-                  <a:srgbClr val="000000"/>
-                </a:solidFill>
-                <a:effectLst/>
-                <a:latin typeface="Arial" panose="020B0604020202020204" pitchFamily="34" charset="0"/>
+              <a:t> </a:t>
+            </a:r>
+            <a:r>
+              <a:rPr lang="en-US" sz="1400" dirty="0">
+                <a:solidFill>
+                  <a:srgbClr val="231F20"/>
+                </a:solidFill>
+                <a:latin typeface="Arial" panose="020B0604020202020204"/>
               </a:rPr>
-              <a:t> SDK</a:t>
-            </a:r>
-          </a:p>
-          <a:p>
-            <a:pPr lvl="1" fontAlgn="base">
-              <a:spcBef>
-                <a:spcPts val="0"/>
-              </a:spcBef>
-            </a:pPr>
-            <a:r>
-              <a:rPr lang="en-GB" sz="1400" dirty="0">
-                <a:solidFill>
-                  <a:srgbClr val="000000"/>
-                </a:solidFill>
-                <a:latin typeface="Arial" panose="020B0604020202020204" pitchFamily="34" charset="0"/>
-              </a:rPr>
-              <a:t>Exploring key concepts for writing HPC codes for the CS-2 and understanding how to build these</a:t>
-            </a:r>
-            <a:endParaRPr lang="en-GB" sz="1400" b="0" i="0" u="none" strike="noStrike" dirty="0">
+              <a:t>Achieved a record sustained memory bandwidth of 92.58 Petabytes per second (PB/s) through the implementation of a TLR-MVM kernel that is uniquely tailored to exploit the architecture of the CS-2 systems.</a:t>
+            </a:r>
+            <a:endParaRPr kumimoji="0" lang="en-US" sz="1400" b="0" i="0" u="none" strike="noStrike" kern="1200" cap="none" spc="0" normalizeH="0" baseline="0" noProof="0" dirty="0">
+              <a:ln>
+                <a:noFill/>
+              </a:ln>
               <a:solidFill>
-                <a:srgbClr val="000000"/>
+                <a:srgbClr val="231F20"/>
               </a:solidFill>
               <a:effectLst/>
-              <a:latin typeface="Arial" panose="020B0604020202020204" pitchFamily="34" charset="0"/>
+              <a:uLnTx/>
+              <a:uFillTx/>
+              <a:latin typeface="Arial" panose="020B0604020202020204"/>
+              <a:ea typeface="+mn-ea"/>
+              <a:cs typeface="+mn-cs"/>
             </a:endParaRPr>
           </a:p>
-          <a:p>
-            <a:pPr marL="342900" indent="-342900" rtl="0" fontAlgn="base">
+        </p:txBody>
+      </p:sp>
+      <p:pic>
+        <p:nvPicPr>
+          <p:cNvPr id="6" name="Picture 5" descr="Logo&#10;&#10;Description automatically generated">
+            <a:extLst>
+              <a:ext uri="{FF2B5EF4-FFF2-40B4-BE49-F238E27FC236}">
+                <a16:creationId xmlns:a16="http://schemas.microsoft.com/office/drawing/2014/main" id="{F0DA09A3-FBFA-BA17-6424-3D09F129689D}"/>
+              </a:ext>
+            </a:extLst>
+          </p:cNvPr>
+          <p:cNvPicPr>
+            <a:picLocks noChangeAspect="1"/>
+          </p:cNvPicPr>
+          <p:nvPr/>
+        </p:nvPicPr>
+        <p:blipFill>
+          <a:blip r:embed="rId2"/>
+          <a:stretch>
+            <a:fillRect/>
+          </a:stretch>
+        </p:blipFill>
+        <p:spPr>
+          <a:xfrm>
+            <a:off x="211121" y="2663074"/>
+            <a:ext cx="640080" cy="640080"/>
+          </a:xfrm>
+          <a:prstGeom prst="rect">
+            <a:avLst/>
+          </a:prstGeom>
+        </p:spPr>
+      </p:pic>
+      <p:pic>
+        <p:nvPicPr>
+          <p:cNvPr id="7" name="Picture 6" descr="Icon&#10;&#10;Description automatically generated">
+            <a:extLst>
+              <a:ext uri="{FF2B5EF4-FFF2-40B4-BE49-F238E27FC236}">
+                <a16:creationId xmlns:a16="http://schemas.microsoft.com/office/drawing/2014/main" id="{1ABC4EB4-1FE1-96E2-2093-E9235DE1C02F}"/>
+              </a:ext>
+            </a:extLst>
+          </p:cNvPr>
+          <p:cNvPicPr>
+            <a:picLocks noChangeAspect="1"/>
+          </p:cNvPicPr>
+          <p:nvPr/>
+        </p:nvPicPr>
+        <p:blipFill>
+          <a:blip r:embed="rId3"/>
+          <a:stretch>
+            <a:fillRect/>
+          </a:stretch>
+        </p:blipFill>
+        <p:spPr>
+          <a:xfrm>
+            <a:off x="227678" y="4879859"/>
+            <a:ext cx="640080" cy="640080"/>
+          </a:xfrm>
+          <a:prstGeom prst="rect">
+            <a:avLst/>
+          </a:prstGeom>
+        </p:spPr>
+      </p:pic>
+      <p:pic>
+        <p:nvPicPr>
+          <p:cNvPr id="8" name="Picture 7" descr="A picture containing text, sign, outdoor, dark&#10;&#10;Description automatically generated">
+            <a:extLst>
+              <a:ext uri="{FF2B5EF4-FFF2-40B4-BE49-F238E27FC236}">
+                <a16:creationId xmlns:a16="http://schemas.microsoft.com/office/drawing/2014/main" id="{62D84FA7-AE97-8FB5-EF08-301F87439BF3}"/>
+              </a:ext>
+            </a:extLst>
+          </p:cNvPr>
+          <p:cNvPicPr>
+            <a:picLocks noChangeAspect="1"/>
+          </p:cNvPicPr>
+          <p:nvPr/>
+        </p:nvPicPr>
+        <p:blipFill>
+          <a:blip r:embed="rId4"/>
+          <a:stretch>
+            <a:fillRect/>
+          </a:stretch>
+        </p:blipFill>
+        <p:spPr>
+          <a:xfrm>
+            <a:off x="211842" y="1630509"/>
+            <a:ext cx="640080" cy="640080"/>
+          </a:xfrm>
+          <a:prstGeom prst="rect">
+            <a:avLst/>
+          </a:prstGeom>
+        </p:spPr>
+      </p:pic>
+      <p:pic>
+        <p:nvPicPr>
+          <p:cNvPr id="9" name="Picture 8" descr="Icon&#10;&#10;Description automatically generated">
+            <a:extLst>
+              <a:ext uri="{FF2B5EF4-FFF2-40B4-BE49-F238E27FC236}">
+                <a16:creationId xmlns:a16="http://schemas.microsoft.com/office/drawing/2014/main" id="{4436B69F-7335-82C5-8723-0B70E10D2047}"/>
+              </a:ext>
+            </a:extLst>
+          </p:cNvPr>
+          <p:cNvPicPr>
+            <a:picLocks noChangeAspect="1"/>
+          </p:cNvPicPr>
+          <p:nvPr/>
+        </p:nvPicPr>
+        <p:blipFill>
+          <a:blip r:embed="rId5"/>
+          <a:stretch>
+            <a:fillRect/>
+          </a:stretch>
+        </p:blipFill>
+        <p:spPr>
+          <a:xfrm>
+            <a:off x="216159" y="3752977"/>
+            <a:ext cx="640080" cy="640080"/>
+          </a:xfrm>
+          <a:prstGeom prst="rect">
+            <a:avLst/>
+          </a:prstGeom>
+        </p:spPr>
+      </p:pic>
+      <p:sp>
+        <p:nvSpPr>
+          <p:cNvPr id="10" name="TextBox 9">
+            <a:extLst>
+              <a:ext uri="{FF2B5EF4-FFF2-40B4-BE49-F238E27FC236}">
+                <a16:creationId xmlns:a16="http://schemas.microsoft.com/office/drawing/2014/main" id="{F9327F91-A6E6-C33C-75D7-866A45B386FB}"/>
+              </a:ext>
+            </a:extLst>
+          </p:cNvPr>
+          <p:cNvSpPr txBox="1"/>
+          <p:nvPr/>
+        </p:nvSpPr>
+        <p:spPr>
+          <a:xfrm>
+            <a:off x="827860" y="3750164"/>
+            <a:ext cx="5972989" cy="738664"/>
+          </a:xfrm>
+          <a:prstGeom prst="rect">
+            <a:avLst/>
+          </a:prstGeom>
+          <a:noFill/>
+        </p:spPr>
+        <p:txBody>
+          <a:bodyPr wrap="square">
+            <a:spAutoFit/>
+          </a:bodyPr>
+          <a:lstStyle/>
+          <a:p>
+            <a:pPr marL="0" marR="0" lvl="0" indent="0" algn="l" defTabSz="914400" rtl="0" eaLnBrk="1" fontAlgn="auto" latinLnBrk="0" hangingPunct="1">
+              <a:lnSpc>
+                <a:spcPct val="100000"/>
+              </a:lnSpc>
               <a:spcBef>
                 <a:spcPts val="0"/>
               </a:spcBef>
               <a:spcAft>
                 <a:spcPts val="0"/>
               </a:spcAft>
-              <a:buFont typeface="+mj-lt"/>
-              <a:buAutoNum type="arabicPeriod"/>
+              <a:buClrTx/>
+              <a:buSzTx/>
+              <a:buFontTx/>
+              <a:buNone/>
+              <a:tabLst/>
+              <a:defRPr/>
             </a:pPr>
             <a:r>
-              <a:rPr lang="en-GB" sz="1800" b="0" i="0" u="none" strike="noStrike" dirty="0">
-                <a:solidFill>
-                  <a:srgbClr val="000000"/>
+              <a:rPr kumimoji="0" lang="en-US" sz="1400" b="1" i="0" u="none" strike="noStrike" kern="1200" cap="none" spc="0" normalizeH="0" baseline="0" noProof="0" dirty="0">
+                <a:ln>
+                  <a:noFill/>
+                </a:ln>
+                <a:solidFill>
+                  <a:srgbClr val="231F20"/>
                 </a:solidFill>
                 <a:effectLst/>
-                <a:latin typeface="Arial" panose="020B0604020202020204" pitchFamily="34" charset="0"/>
+                <a:uLnTx/>
+                <a:uFillTx/>
+                <a:latin typeface="Arial" panose="020B0604020202020204"/>
+                <a:ea typeface="+mn-ea"/>
+                <a:cs typeface="+mn-cs"/>
               </a:rPr>
-              <a:t>Write simple program (Single Tile GEMV, Multi tile program)</a:t>
-            </a:r>
-          </a:p>
-          <a:p>
-            <a:pPr lvl="1" fontAlgn="base">
-              <a:spcBef>
-                <a:spcPts val="0"/>
-              </a:spcBef>
-            </a:pPr>
-            <a:r>
-              <a:rPr lang="en-GB" sz="1400" dirty="0">
-                <a:solidFill>
-                  <a:srgbClr val="000000"/>
-                </a:solidFill>
-                <a:latin typeface="Arial" panose="020B0604020202020204" pitchFamily="34" charset="0"/>
+              <a:t>What was done:</a:t>
+            </a:r>
+            <a:r>
+              <a:rPr kumimoji="0" lang="en-US" sz="1400" i="0" u="none" strike="noStrike" kern="1200" cap="none" spc="0" normalizeH="0" baseline="0" noProof="0" dirty="0">
+                <a:ln>
+                  <a:noFill/>
+                </a:ln>
+                <a:solidFill>
+                  <a:srgbClr val="231F20"/>
+                </a:solidFill>
+                <a:effectLst/>
+                <a:uLnTx/>
+                <a:uFillTx/>
+                <a:latin typeface="Arial" panose="020B0604020202020204"/>
+                <a:ea typeface="+mn-ea"/>
+                <a:cs typeface="+mn-cs"/>
               </a:rPr>
-              <a:t>Bringing the concepts together and using these to develop a real code for the CS-2 and optimise it</a:t>
-            </a:r>
-            <a:endParaRPr lang="en-GB" sz="1400" b="0" i="0" u="none" strike="noStrike" dirty="0">
+              <a:t> Researchers used the </a:t>
+            </a:r>
+            <a:r>
+              <a:rPr kumimoji="0" lang="en-US" sz="1400" i="0" u="none" strike="noStrike" kern="1200" cap="none" spc="0" normalizeH="0" baseline="0" noProof="0" dirty="0" err="1">
+                <a:ln>
+                  <a:noFill/>
+                </a:ln>
+                <a:solidFill>
+                  <a:srgbClr val="231F20"/>
+                </a:solidFill>
+                <a:effectLst/>
+                <a:uLnTx/>
+                <a:uFillTx/>
+                <a:latin typeface="Arial" panose="020B0604020202020204"/>
+                <a:ea typeface="+mn-ea"/>
+                <a:cs typeface="+mn-cs"/>
+              </a:rPr>
+              <a:t>Cerebras</a:t>
+            </a:r>
+            <a:r>
+              <a:rPr kumimoji="0" lang="en-US" sz="1400" i="0" u="none" strike="noStrike" kern="1200" cap="none" spc="0" normalizeH="0" baseline="0" noProof="0" dirty="0">
+                <a:ln>
+                  <a:noFill/>
+                </a:ln>
+                <a:solidFill>
+                  <a:srgbClr val="231F20"/>
+                </a:solidFill>
+                <a:effectLst/>
+                <a:uLnTx/>
+                <a:uFillTx/>
+                <a:latin typeface="Arial" panose="020B0604020202020204"/>
+                <a:ea typeface="+mn-ea"/>
+                <a:cs typeface="+mn-cs"/>
+              </a:rPr>
+              <a:t> SDK to re-design a Tile Low-Rank Matrix-Vector Multiplication (TLR-MVM) algorithm to be optimized for </a:t>
+            </a:r>
+            <a:r>
+              <a:rPr kumimoji="0" lang="en-US" sz="1400" i="0" u="none" strike="noStrike" kern="1200" cap="none" spc="0" normalizeH="0" baseline="0" noProof="0" dirty="0" err="1">
+                <a:ln>
+                  <a:noFill/>
+                </a:ln>
+                <a:solidFill>
+                  <a:srgbClr val="231F20"/>
+                </a:solidFill>
+                <a:effectLst/>
+                <a:uLnTx/>
+                <a:uFillTx/>
+                <a:latin typeface="Arial" panose="020B0604020202020204"/>
+                <a:ea typeface="+mn-ea"/>
+                <a:cs typeface="+mn-cs"/>
+              </a:rPr>
+              <a:t>Cerebras</a:t>
+            </a:r>
+            <a:r>
+              <a:rPr kumimoji="0" lang="en-US" sz="1400" i="0" u="none" strike="noStrike" kern="1200" cap="none" spc="0" normalizeH="0" baseline="0" noProof="0" dirty="0">
+                <a:ln>
+                  <a:noFill/>
+                </a:ln>
+                <a:solidFill>
+                  <a:srgbClr val="231F20"/>
+                </a:solidFill>
+                <a:effectLst/>
+                <a:uLnTx/>
+                <a:uFillTx/>
+                <a:latin typeface="Arial" panose="020B0604020202020204"/>
+                <a:ea typeface="+mn-ea"/>
+                <a:cs typeface="+mn-cs"/>
+              </a:rPr>
+              <a:t> CS-2. </a:t>
+            </a:r>
+            <a:endParaRPr lang="en-US" sz="1400" dirty="0">
               <a:solidFill>
-                <a:srgbClr val="000000"/>
+                <a:srgbClr val="231F20"/>
               </a:solidFill>
-              <a:effectLst/>
-              <a:latin typeface="Arial" panose="020B0604020202020204" pitchFamily="34" charset="0"/>
+              <a:latin typeface="Arial" panose="020B0604020202020204"/>
             </a:endParaRPr>
           </a:p>
-          <a:p>
-            <a:pPr marL="342900" indent="-342900" rtl="0" fontAlgn="base">
-              <a:spcBef>
-                <a:spcPts val="0"/>
-              </a:spcBef>
-              <a:spcAft>
-                <a:spcPts val="0"/>
-              </a:spcAft>
-              <a:buFont typeface="+mj-lt"/>
-              <a:buAutoNum type="arabicPeriod"/>
-            </a:pPr>
-            <a:r>
-              <a:rPr lang="en-GB" sz="1800" b="0" i="0" u="none" strike="noStrike" dirty="0">
-                <a:solidFill>
-                  <a:srgbClr val="000000"/>
-                </a:solidFill>
-                <a:effectLst/>
-                <a:latin typeface="Arial" panose="020B0604020202020204" pitchFamily="34" charset="0"/>
+        </p:txBody>
+      </p:sp>
+      <p:sp>
+        <p:nvSpPr>
+          <p:cNvPr id="11" name="TextBox 10">
+            <a:extLst>
+              <a:ext uri="{FF2B5EF4-FFF2-40B4-BE49-F238E27FC236}">
+                <a16:creationId xmlns:a16="http://schemas.microsoft.com/office/drawing/2014/main" id="{CFBA5634-4755-4ACC-579E-E31220D45C37}"/>
+              </a:ext>
+            </a:extLst>
+          </p:cNvPr>
+          <p:cNvSpPr txBox="1"/>
+          <p:nvPr/>
+        </p:nvSpPr>
+        <p:spPr>
+          <a:xfrm>
+            <a:off x="867758" y="1630509"/>
+            <a:ext cx="5228242" cy="738664"/>
+          </a:xfrm>
+          <a:prstGeom prst="rect">
+            <a:avLst/>
+          </a:prstGeom>
+          <a:noFill/>
+        </p:spPr>
+        <p:txBody>
+          <a:bodyPr wrap="square" lIns="91440" tIns="45720" rIns="91440" bIns="45720" rtlCol="0" anchor="t">
+            <a:spAutoFit/>
+          </a:bodyPr>
+          <a:lstStyle/>
+          <a:p>
+            <a:r>
+              <a:rPr lang="en-US" sz="1400" b="1" dirty="0"/>
+              <a:t>The Ask</a:t>
+            </a:r>
+            <a:r>
+              <a:rPr lang="en-US" sz="1400" dirty="0"/>
+              <a:t>: Deliver improved performance on seismic processing workload by leveraging </a:t>
+            </a:r>
+            <a:r>
+              <a:rPr lang="en-US" sz="1400" dirty="0" err="1"/>
+              <a:t>Cerebras</a:t>
+            </a:r>
+            <a:r>
+              <a:rPr lang="en-US" sz="1400" dirty="0"/>
+              <a:t> System’s unique architecture and massive on-chip memory.</a:t>
+            </a:r>
+          </a:p>
+        </p:txBody>
+      </p:sp>
+      <p:pic>
+        <p:nvPicPr>
+          <p:cNvPr id="12" name="Picture 2" descr="Image preview">
+            <a:extLst>
+              <a:ext uri="{FF2B5EF4-FFF2-40B4-BE49-F238E27FC236}">
+                <a16:creationId xmlns:a16="http://schemas.microsoft.com/office/drawing/2014/main" id="{D429ADB9-8F8D-92E4-922F-6B4E4B27D463}"/>
+              </a:ext>
+            </a:extLst>
+          </p:cNvPr>
+          <p:cNvPicPr>
+            <a:picLocks noChangeAspect="1" noChangeArrowheads="1"/>
+          </p:cNvPicPr>
+          <p:nvPr/>
+        </p:nvPicPr>
+        <p:blipFill>
+          <a:blip r:embed="rId6">
+            <a:extLst>
+              <a:ext uri="{28A0092B-C50C-407E-A947-70E740481C1C}">
+                <a14:useLocalDpi xmlns:a14="http://schemas.microsoft.com/office/drawing/2010/main" val="0"/>
+              </a:ext>
+            </a:extLst>
+          </a:blip>
+          <a:srcRect/>
+          <a:stretch>
+            <a:fillRect/>
+          </a:stretch>
+        </p:blipFill>
+        <p:spPr bwMode="auto">
+          <a:xfrm>
+            <a:off x="7649728" y="1389396"/>
+            <a:ext cx="4314594" cy="5301208"/>
+          </a:xfrm>
+          <a:prstGeom prst="rect">
+            <a:avLst/>
+          </a:prstGeom>
+          <a:noFill/>
+          <a:extLst>
+            <a:ext uri="{909E8E84-426E-40DD-AFC4-6F175D3DCCD1}">
+              <a14:hiddenFill xmlns:a14="http://schemas.microsoft.com/office/drawing/2010/main">
+                <a:solidFill>
+                  <a:srgbClr val="FFFFFF"/>
+                </a:solidFill>
+              </a14:hiddenFill>
+            </a:ext>
+          </a:extLst>
+        </p:spPr>
+      </p:pic>
+      <p:sp>
+        <p:nvSpPr>
+          <p:cNvPr id="13" name="TextBox 12">
+            <a:extLst>
+              <a:ext uri="{FF2B5EF4-FFF2-40B4-BE49-F238E27FC236}">
+                <a16:creationId xmlns:a16="http://schemas.microsoft.com/office/drawing/2014/main" id="{4641762D-836C-869B-8B54-9720534120B1}"/>
+              </a:ext>
+            </a:extLst>
+          </p:cNvPr>
+          <p:cNvSpPr txBox="1"/>
+          <p:nvPr/>
+        </p:nvSpPr>
+        <p:spPr>
+          <a:xfrm>
+            <a:off x="227678" y="6093296"/>
+            <a:ext cx="7020450" cy="523220"/>
+          </a:xfrm>
+          <a:prstGeom prst="rect">
+            <a:avLst/>
+          </a:prstGeom>
+          <a:noFill/>
+        </p:spPr>
+        <p:txBody>
+          <a:bodyPr wrap="square" rtlCol="0">
+            <a:spAutoFit/>
+          </a:bodyPr>
+          <a:lstStyle/>
+          <a:p>
+            <a:r>
+              <a:rPr lang="en-GB" sz="1400" i="1" dirty="0"/>
+              <a:t>More details at </a:t>
+            </a:r>
+            <a:r>
+              <a:rPr lang="en-US" sz="1400" i="1" dirty="0">
+                <a:hlinkClick r:id="rId7"/>
               </a:rPr>
-              <a:t>Running on Simulator</a:t>
-            </a:r>
-          </a:p>
-          <a:p>
-            <a:pPr lvl="1" fontAlgn="base">
-              <a:spcBef>
-                <a:spcPts val="0"/>
-              </a:spcBef>
-            </a:pPr>
-            <a:r>
-              <a:rPr lang="en-GB" sz="1400" dirty="0">
-                <a:solidFill>
-                  <a:srgbClr val="000000"/>
-                </a:solidFill>
-                <a:latin typeface="Arial" panose="020B0604020202020204" pitchFamily="34" charset="0"/>
-              </a:rPr>
-              <a:t>Much of development is done with a simulator, we will explore how to use this and leverage it when writing code</a:t>
-            </a:r>
-            <a:endParaRPr lang="en-GB" sz="1400" b="0" i="0" u="none" strike="noStrike" dirty="0">
-              <a:solidFill>
-                <a:srgbClr val="000000"/>
-              </a:solidFill>
-              <a:effectLst/>
-              <a:latin typeface="Arial" panose="020B0604020202020204" pitchFamily="34" charset="0"/>
-            </a:endParaRPr>
-          </a:p>
-          <a:p>
-            <a:pPr marL="342900" indent="-342900" rtl="0" fontAlgn="base">
-              <a:spcBef>
-                <a:spcPts val="0"/>
-              </a:spcBef>
-              <a:spcAft>
-                <a:spcPts val="0"/>
-              </a:spcAft>
-              <a:buFont typeface="+mj-lt"/>
-              <a:buAutoNum type="arabicPeriod"/>
-            </a:pPr>
-            <a:r>
-              <a:rPr lang="en-GB" sz="1800" b="0" i="0" u="none" strike="noStrike" dirty="0">
-                <a:solidFill>
-                  <a:srgbClr val="000000"/>
-                </a:solidFill>
-                <a:effectLst/>
-                <a:latin typeface="Arial" panose="020B0604020202020204" pitchFamily="34" charset="0"/>
-              </a:rPr>
-              <a:t>Optimize performance (DSD, SIMD, memory banks)</a:t>
-            </a:r>
-          </a:p>
-          <a:p>
-            <a:pPr lvl="1" fontAlgn="base">
-              <a:spcBef>
-                <a:spcPts val="0"/>
-              </a:spcBef>
-            </a:pPr>
-            <a:r>
-              <a:rPr lang="en-GB" sz="1400" dirty="0">
-                <a:solidFill>
-                  <a:srgbClr val="000000"/>
-                </a:solidFill>
-                <a:latin typeface="Arial" panose="020B0604020202020204" pitchFamily="34" charset="0"/>
-              </a:rPr>
-              <a:t>Once we are comfortable with writing codes for the CS-2, we want them to run fast! Exploring techniques for doing this</a:t>
-            </a:r>
-            <a:endParaRPr lang="en-GB" sz="1400" b="0" i="0" u="none" strike="noStrike" dirty="0">
-              <a:solidFill>
-                <a:srgbClr val="000000"/>
-              </a:solidFill>
-              <a:effectLst/>
-              <a:latin typeface="Arial" panose="020B0604020202020204" pitchFamily="34" charset="0"/>
-            </a:endParaRPr>
-          </a:p>
-          <a:p>
-            <a:pPr marL="342900" indent="-342900" rtl="0" fontAlgn="base">
-              <a:spcBef>
-                <a:spcPts val="0"/>
-              </a:spcBef>
-              <a:spcAft>
-                <a:spcPts val="0"/>
-              </a:spcAft>
-              <a:buFont typeface="+mj-lt"/>
-              <a:buAutoNum type="arabicPeriod"/>
-            </a:pPr>
-            <a:r>
-              <a:rPr lang="en-GB" sz="1800" b="0" i="0" u="none" strike="noStrike" dirty="0">
-                <a:solidFill>
-                  <a:srgbClr val="000000"/>
-                </a:solidFill>
-                <a:effectLst/>
-                <a:latin typeface="Arial" panose="020B0604020202020204" pitchFamily="34" charset="0"/>
-              </a:rPr>
-              <a:t>Debug library</a:t>
-            </a:r>
-          </a:p>
-          <a:p>
-            <a:pPr lvl="1" fontAlgn="base">
-              <a:spcBef>
-                <a:spcPts val="0"/>
-              </a:spcBef>
-            </a:pPr>
-            <a:r>
-              <a:rPr lang="en-GB" sz="1400" b="0" i="0" u="none" strike="noStrike" dirty="0">
-                <a:solidFill>
-                  <a:srgbClr val="000000"/>
-                </a:solidFill>
-                <a:effectLst/>
-                <a:latin typeface="Arial" panose="020B0604020202020204" pitchFamily="34" charset="0"/>
-              </a:rPr>
-              <a:t>Sharing with you how to go about debugging your code for the CS-2</a:t>
-            </a:r>
-          </a:p>
-          <a:p>
-            <a:pPr marL="342900" indent="-342900" rtl="0" fontAlgn="base">
-              <a:spcBef>
-                <a:spcPts val="0"/>
-              </a:spcBef>
-              <a:spcAft>
-                <a:spcPts val="0"/>
-              </a:spcAft>
-              <a:buFont typeface="+mj-lt"/>
-              <a:buAutoNum type="arabicPeriod"/>
-            </a:pPr>
-            <a:r>
-              <a:rPr lang="en-GB" sz="1800" b="0" i="0" u="none" strike="noStrike" dirty="0">
-                <a:solidFill>
-                  <a:srgbClr val="000000"/>
-                </a:solidFill>
-                <a:effectLst/>
-                <a:latin typeface="Arial" panose="020B0604020202020204" pitchFamily="34" charset="0"/>
-              </a:rPr>
-              <a:t>Running on real hardware</a:t>
-            </a:r>
-          </a:p>
-          <a:p>
-            <a:pPr lvl="1" fontAlgn="base">
-              <a:spcBef>
-                <a:spcPts val="0"/>
-              </a:spcBef>
-            </a:pPr>
-            <a:r>
-              <a:rPr lang="en-GB" sz="1400" dirty="0">
-                <a:solidFill>
-                  <a:srgbClr val="000000"/>
-                </a:solidFill>
-                <a:latin typeface="Arial" panose="020B0604020202020204" pitchFamily="34" charset="0"/>
-              </a:rPr>
-              <a:t>Ultimately we want to accelerate our HPC codes on the CS-2, we will run our hands-on exercises on a real CS-2 machine</a:t>
-            </a:r>
-            <a:endParaRPr lang="en-GB" sz="1400" b="0" i="0" u="none" strike="noStrike" dirty="0">
-              <a:solidFill>
-                <a:srgbClr val="000000"/>
-              </a:solidFill>
-              <a:effectLst/>
-              <a:latin typeface="Arial" panose="020B0604020202020204" pitchFamily="34" charset="0"/>
-            </a:endParaRPr>
-          </a:p>
-          <a:p>
-            <a:endParaRPr lang="en-GB" dirty="0"/>
+              <a:t>https://sc23.supercomputing.org/2023/08/a-look-at-the-2023-gordon-bell-prize-finalists/</a:t>
+            </a:r>
+            <a:r>
+              <a:rPr lang="en-US" sz="1400" i="1" dirty="0"/>
+              <a:t> </a:t>
+            </a:r>
           </a:p>
         </p:txBody>
       </p:sp>
     </p:spTree>
     <p:extLst>
       <p:ext uri="{BB962C8B-B14F-4D97-AF65-F5344CB8AC3E}">
-        <p14:creationId xmlns:p14="http://schemas.microsoft.com/office/powerpoint/2010/main" val="852244161"/>
+        <p14:creationId xmlns:p14="http://schemas.microsoft.com/office/powerpoint/2010/main" val="1826983331"/>
       </p:ext>
     </p:extLst>
   </p:cSld>
@@ -5344,7 +5737,7 @@
           <p:cNvPr id="2" name="Title 1">
             <a:extLst>
               <a:ext uri="{FF2B5EF4-FFF2-40B4-BE49-F238E27FC236}">
-                <a16:creationId xmlns:a16="http://schemas.microsoft.com/office/drawing/2014/main" id="{18AC2F1E-711D-7F1C-36D8-D1C272A637FF}"/>
+                <a16:creationId xmlns:a16="http://schemas.microsoft.com/office/drawing/2014/main" id="{604D8538-39C5-4240-B9E0-6875FBEEDF25}"/>
               </a:ext>
             </a:extLst>
           </p:cNvPr>
@@ -5362,17 +5755,192 @@
           <a:p>
             <a:r>
               <a:rPr lang="en-GB" dirty="0"/>
-              <a:t>Session plan</a:t>
-            </a:r>
-          </a:p>
-        </p:txBody>
-      </p:sp>
-      <p:sp>
-        <p:nvSpPr>
-          <p:cNvPr id="6" name="TextBox 5">
+              <a:t>Example: Accelerating CFD</a:t>
+            </a:r>
+          </a:p>
+        </p:txBody>
+      </p:sp>
+      <p:sp>
+        <p:nvSpPr>
+          <p:cNvPr id="4" name="Content Placeholder 1">
             <a:extLst>
               <a:ext uri="{FF2B5EF4-FFF2-40B4-BE49-F238E27FC236}">
-                <a16:creationId xmlns:a16="http://schemas.microsoft.com/office/drawing/2014/main" id="{4D2CCFCC-568B-AB91-76C2-BDEE1925B0FB}"/>
+                <a16:creationId xmlns:a16="http://schemas.microsoft.com/office/drawing/2014/main" id="{DC51103D-76AB-6B58-6CFE-32A4007C6ABC}"/>
+              </a:ext>
+            </a:extLst>
+          </p:cNvPr>
+          <p:cNvSpPr>
+            <a:spLocks noGrp="1"/>
+          </p:cNvSpPr>
+          <p:nvPr>
+            <p:ph idx="1"/>
+          </p:nvPr>
+        </p:nvSpPr>
+        <p:spPr>
+          <a:xfrm>
+            <a:off x="335360" y="1481800"/>
+            <a:ext cx="6842908" cy="4824518"/>
+          </a:xfrm>
+        </p:spPr>
+        <p:txBody>
+          <a:bodyPr/>
+          <a:lstStyle/>
+          <a:p>
+            <a:r>
+              <a:rPr lang="en-US" sz="2000" dirty="0">
+                <a:effectLst/>
+                <a:latin typeface="+mn-lt"/>
+                <a:ea typeface="Calibri" panose="020F0502020204030204" pitchFamily="34" charset="0"/>
+              </a:rPr>
+              <a:t>Cerebras and NETL demonstrate significant performance on a </a:t>
+            </a:r>
+            <a:r>
+              <a:rPr lang="en-US" sz="2000" dirty="0" err="1">
+                <a:effectLst/>
+                <a:latin typeface="+mn-lt"/>
+                <a:ea typeface="Calibri" panose="020F0502020204030204" pitchFamily="34" charset="0"/>
+              </a:rPr>
+              <a:t>Cerebras</a:t>
+            </a:r>
+            <a:r>
+              <a:rPr lang="en-US" sz="2000" dirty="0">
+                <a:effectLst/>
+                <a:latin typeface="+mn-lt"/>
+                <a:ea typeface="Calibri" panose="020F0502020204030204" pitchFamily="34" charset="0"/>
+              </a:rPr>
+              <a:t> CS-2 compared to CPU or GPU</a:t>
+            </a:r>
+          </a:p>
+          <a:p>
+            <a:r>
+              <a:rPr lang="en-US" sz="2000" dirty="0"/>
+              <a:t>CS-2 470x faster than Joule 2.0 supercomputer</a:t>
+            </a:r>
+            <a:endParaRPr lang="en-US" sz="2000" baseline="30000" dirty="0"/>
+          </a:p>
+          <a:p>
+            <a:pPr marL="0" indent="0">
+              <a:buNone/>
+            </a:pPr>
+            <a:endParaRPr lang="en-US" dirty="0"/>
+          </a:p>
+          <a:p>
+            <a:endParaRPr lang="en-US" dirty="0"/>
+          </a:p>
+        </p:txBody>
+      </p:sp>
+      <p:pic>
+        <p:nvPicPr>
+          <p:cNvPr id="5" name="Picture 4">
+            <a:extLst>
+              <a:ext uri="{FF2B5EF4-FFF2-40B4-BE49-F238E27FC236}">
+                <a16:creationId xmlns:a16="http://schemas.microsoft.com/office/drawing/2014/main" id="{7FA7C34F-F7C5-8DC9-18B7-818BC3B8F80D}"/>
+              </a:ext>
+            </a:extLst>
+          </p:cNvPr>
+          <p:cNvPicPr>
+            <a:picLocks noChangeAspect="1"/>
+          </p:cNvPicPr>
+          <p:nvPr/>
+        </p:nvPicPr>
+        <p:blipFill rotWithShape="1">
+          <a:blip r:embed="rId2"/>
+          <a:srcRect b="32878"/>
+          <a:stretch/>
+        </p:blipFill>
+        <p:spPr>
+          <a:xfrm>
+            <a:off x="1398984" y="2876897"/>
+            <a:ext cx="5779284" cy="3633048"/>
+          </a:xfrm>
+          <a:prstGeom prst="rect">
+            <a:avLst/>
+          </a:prstGeom>
+          <a:ln>
+            <a:noFill/>
+          </a:ln>
+          <a:effectLst>
+            <a:outerShdw blurRad="292100" dist="139700" dir="2700000" algn="tl" rotWithShape="0">
+              <a:srgbClr val="333333">
+                <a:alpha val="65000"/>
+              </a:srgbClr>
+            </a:outerShdw>
+          </a:effectLst>
+        </p:spPr>
+      </p:pic>
+      <p:pic>
+        <p:nvPicPr>
+          <p:cNvPr id="6" name="Picture 5" descr="Graphical user interface, text, application&#10;&#10;Description automatically generated">
+            <a:extLst>
+              <a:ext uri="{FF2B5EF4-FFF2-40B4-BE49-F238E27FC236}">
+                <a16:creationId xmlns:a16="http://schemas.microsoft.com/office/drawing/2014/main" id="{5F8E64BB-F35C-7B0C-68EF-F96D5B96C296}"/>
+              </a:ext>
+            </a:extLst>
+          </p:cNvPr>
+          <p:cNvPicPr>
+            <a:picLocks noChangeAspect="1"/>
+          </p:cNvPicPr>
+          <p:nvPr/>
+        </p:nvPicPr>
+        <p:blipFill>
+          <a:blip r:embed="rId3"/>
+          <a:stretch>
+            <a:fillRect/>
+          </a:stretch>
+        </p:blipFill>
+        <p:spPr>
+          <a:xfrm>
+            <a:off x="224746" y="2540303"/>
+            <a:ext cx="4795826" cy="3796695"/>
+          </a:xfrm>
+          <a:prstGeom prst="rect">
+            <a:avLst/>
+          </a:prstGeom>
+          <a:effectLst>
+            <a:outerShdw blurRad="292100" dist="139700" dir="2700000" algn="tl" rotWithShape="0">
+              <a:schemeClr val="bg2">
+                <a:lumMod val="25000"/>
+                <a:alpha val="65000"/>
+              </a:schemeClr>
+            </a:outerShdw>
+          </a:effectLst>
+        </p:spPr>
+      </p:pic>
+      <p:pic>
+        <p:nvPicPr>
+          <p:cNvPr id="7" name="Picture 6" descr="A picture containing blue, engine&#10;&#10;Description automatically generated">
+            <a:extLst>
+              <a:ext uri="{FF2B5EF4-FFF2-40B4-BE49-F238E27FC236}">
+                <a16:creationId xmlns:a16="http://schemas.microsoft.com/office/drawing/2014/main" id="{7BB737D4-6B99-6A30-4D27-7836577A2F54}"/>
+              </a:ext>
+            </a:extLst>
+          </p:cNvPr>
+          <p:cNvPicPr>
+            <a:picLocks noChangeAspect="1"/>
+          </p:cNvPicPr>
+          <p:nvPr/>
+        </p:nvPicPr>
+        <p:blipFill rotWithShape="1">
+          <a:blip r:embed="rId4"/>
+          <a:srcRect l="5708" r="16807"/>
+          <a:stretch/>
+        </p:blipFill>
+        <p:spPr>
+          <a:xfrm>
+            <a:off x="7968208" y="1481800"/>
+            <a:ext cx="4091264" cy="5280006"/>
+          </a:xfrm>
+          <a:prstGeom prst="rect">
+            <a:avLst/>
+          </a:prstGeom>
+        </p:spPr>
+      </p:pic>
+      <p:sp>
+        <p:nvSpPr>
+          <p:cNvPr id="8" name="TextBox 7">
+            <a:extLst>
+              <a:ext uri="{FF2B5EF4-FFF2-40B4-BE49-F238E27FC236}">
+                <a16:creationId xmlns:a16="http://schemas.microsoft.com/office/drawing/2014/main" id="{22EBA7DE-3C3F-D1CD-6604-07120B9F56A7}"/>
               </a:ext>
             </a:extLst>
           </p:cNvPr>
@@ -5381,8 +5949,8 @@
         </p:nvSpPr>
         <p:spPr>
           <a:xfrm>
-            <a:off x="1919536" y="5952957"/>
-            <a:ext cx="8496944" cy="369332"/>
+            <a:off x="10866971" y="6364766"/>
+            <a:ext cx="1192501" cy="369332"/>
           </a:xfrm>
           <a:prstGeom prst="rect">
             <a:avLst/>
@@ -5390,27 +5958,164 @@
           <a:noFill/>
         </p:spPr>
         <p:txBody>
-          <a:bodyPr wrap="square" rtlCol="0">
+          <a:bodyPr wrap="square">
             <a:spAutoFit/>
           </a:bodyPr>
           <a:lstStyle/>
           <a:p>
-            <a:pPr algn="ctr"/>
-            <a:r>
-              <a:rPr lang="en-GB" dirty="0">
-                <a:solidFill>
-                  <a:srgbClr val="FF0000"/>
-                </a:solidFill>
+            <a:pPr marL="0" marR="0" lvl="0" indent="0" algn="r" defTabSz="914400" rtl="0" eaLnBrk="1" fontAlgn="auto" latinLnBrk="0" hangingPunct="1">
+              <a:lnSpc>
+                <a:spcPct val="100000"/>
+              </a:lnSpc>
+              <a:spcBef>
+                <a:spcPts val="0"/>
+              </a:spcBef>
+              <a:spcAft>
+                <a:spcPts val="0"/>
+              </a:spcAft>
+              <a:buClrTx/>
+              <a:buSzTx/>
+              <a:buFontTx/>
+              <a:buNone/>
+              <a:tabLst/>
+              <a:defRPr/>
+            </a:pPr>
+            <a:r>
+              <a:rPr kumimoji="0" lang="en-US" sz="900" b="0" i="0" u="none" strike="noStrike" kern="1200" cap="none" spc="0" normalizeH="0" baseline="0" noProof="0">
+                <a:ln>
+                  <a:noFill/>
+                </a:ln>
+                <a:solidFill>
+                  <a:srgbClr val="FFFFFF"/>
+                </a:solidFill>
+                <a:effectLst/>
+                <a:uLnTx/>
+                <a:uFillTx/>
+                <a:latin typeface="Arial" panose="020B0604020202020204"/>
+                <a:ea typeface="+mn-ea"/>
+                <a:cs typeface="+mn-cs"/>
               </a:rPr>
-              <a:t>More about the hands on activities in about 50 minutes!</a:t>
-            </a:r>
-          </a:p>
-        </p:txBody>
-      </p:sp>
+              <a:t>Photo: Christian </a:t>
+            </a:r>
+            <a:r>
+              <a:rPr kumimoji="0" lang="en-US" sz="900" b="0" i="0" u="none" strike="noStrike" kern="1200" cap="none" spc="0" normalizeH="0" baseline="0" noProof="0" err="1">
+                <a:ln>
+                  <a:noFill/>
+                </a:ln>
+                <a:solidFill>
+                  <a:srgbClr val="FFFFFF"/>
+                </a:solidFill>
+                <a:effectLst/>
+                <a:uLnTx/>
+                <a:uFillTx/>
+                <a:latin typeface="Arial" panose="020B0604020202020204"/>
+                <a:ea typeface="+mn-ea"/>
+                <a:cs typeface="+mn-cs"/>
+              </a:rPr>
+              <a:t>Kuhna</a:t>
+            </a:r>
+            <a:r>
+              <a:rPr kumimoji="0" lang="en-US" sz="900" b="0" i="0" u="none" strike="noStrike" kern="1200" cap="none" spc="0" normalizeH="0" baseline="0" noProof="0">
+                <a:ln>
+                  <a:noFill/>
+                </a:ln>
+                <a:solidFill>
+                  <a:srgbClr val="FFFFFF"/>
+                </a:solidFill>
+                <a:effectLst/>
+                <a:uLnTx/>
+                <a:uFillTx/>
+                <a:latin typeface="Arial" panose="020B0604020202020204"/>
+                <a:ea typeface="+mn-ea"/>
+                <a:cs typeface="+mn-cs"/>
+              </a:rPr>
+              <a:t>, </a:t>
+            </a:r>
+            <a:r>
+              <a:rPr kumimoji="0" lang="en-US" sz="900" b="0" i="0" u="none" strike="noStrike" kern="1200" cap="all" spc="0" normalizeH="0" baseline="0" noProof="0">
+                <a:ln>
+                  <a:noFill/>
+                </a:ln>
+                <a:solidFill>
+                  <a:srgbClr val="FFFFFF"/>
+                </a:solidFill>
+                <a:effectLst/>
+                <a:uLnTx/>
+                <a:uFillTx/>
+                <a:latin typeface="Arial" panose="020B0604020202020204"/>
+                <a:ea typeface="+mn-ea"/>
+                <a:cs typeface="+mn-cs"/>
+              </a:rPr>
+              <a:t>CC BY 3.0</a:t>
+            </a:r>
+            <a:endParaRPr kumimoji="0" lang="en-US" sz="900" b="0" i="0" u="none" strike="noStrike" kern="1200" cap="none" spc="0" normalizeH="0" baseline="0" noProof="0">
+              <a:ln>
+                <a:noFill/>
+              </a:ln>
+              <a:solidFill>
+                <a:srgbClr val="FFFFFF"/>
+              </a:solidFill>
+              <a:effectLst/>
+              <a:uLnTx/>
+              <a:uFillTx/>
+              <a:latin typeface="Arial" panose="020B0604020202020204"/>
+              <a:ea typeface="+mn-ea"/>
+              <a:cs typeface="+mn-cs"/>
+            </a:endParaRPr>
+          </a:p>
+        </p:txBody>
+      </p:sp>
+      <p:pic>
+        <p:nvPicPr>
+          <p:cNvPr id="9" name="Picture 2" descr="Working at National Energy Technology Lab | Glassdoor">
+            <a:extLst>
+              <a:ext uri="{FF2B5EF4-FFF2-40B4-BE49-F238E27FC236}">
+                <a16:creationId xmlns:a16="http://schemas.microsoft.com/office/drawing/2014/main" id="{D1713B56-4DAA-11E5-E789-BC388C32770A}"/>
+              </a:ext>
+            </a:extLst>
+          </p:cNvPr>
+          <p:cNvPicPr>
+            <a:picLocks noChangeAspect="1" noChangeArrowheads="1"/>
+          </p:cNvPicPr>
+          <p:nvPr/>
+        </p:nvPicPr>
+        <p:blipFill>
+          <a:blip r:embed="rId5">
+            <a:extLst>
+              <a:ext uri="{28A0092B-C50C-407E-A947-70E740481C1C}">
+                <a14:useLocalDpi xmlns:a14="http://schemas.microsoft.com/office/drawing/2010/main" val="0"/>
+              </a:ext>
+            </a:extLst>
+          </a:blip>
+          <a:srcRect/>
+          <a:stretch>
+            <a:fillRect/>
+          </a:stretch>
+        </p:blipFill>
+        <p:spPr bwMode="auto">
+          <a:xfrm>
+            <a:off x="11012910" y="457475"/>
+            <a:ext cx="900621" cy="900621"/>
+          </a:xfrm>
+          <a:prstGeom prst="rect">
+            <a:avLst/>
+          </a:prstGeom>
+          <a:noFill/>
+          <a:extLst>
+            <a:ext uri="{909E8E84-426E-40DD-AFC4-6F175D3DCCD1}">
+              <a14:hiddenFill xmlns:a14="http://schemas.microsoft.com/office/drawing/2010/main">
+                <a:solidFill>
+                  <a:srgbClr val="FFFFFF"/>
+                </a:solidFill>
+              </a14:hiddenFill>
+            </a:ext>
+          </a:extLst>
+        </p:spPr>
+      </p:pic>
     </p:spTree>
     <p:extLst>
       <p:ext uri="{BB962C8B-B14F-4D97-AF65-F5344CB8AC3E}">
-        <p14:creationId xmlns:p14="http://schemas.microsoft.com/office/powerpoint/2010/main" val="3596301864"/>
+        <p14:creationId xmlns:p14="http://schemas.microsoft.com/office/powerpoint/2010/main" val="662016794"/>
       </p:ext>
     </p:extLst>
   </p:cSld>
@@ -5442,6 +6147,1319 @@
           <p:cNvPr id="2" name="Title 1">
             <a:extLst>
               <a:ext uri="{FF2B5EF4-FFF2-40B4-BE49-F238E27FC236}">
+                <a16:creationId xmlns:a16="http://schemas.microsoft.com/office/drawing/2014/main" id="{5E1A72F6-92C0-1EA6-3A2B-5306275D0953}"/>
+              </a:ext>
+            </a:extLst>
+          </p:cNvPr>
+          <p:cNvSpPr>
+            <a:spLocks noGrp="1"/>
+          </p:cNvSpPr>
+          <p:nvPr>
+            <p:ph type="title"/>
+          </p:nvPr>
+        </p:nvSpPr>
+        <p:spPr/>
+        <p:txBody>
+          <a:bodyPr/>
+          <a:lstStyle/>
+          <a:p>
+            <a:r>
+              <a:rPr lang="en-GB" dirty="0"/>
+              <a:t>Tutorial learning objectives</a:t>
+            </a:r>
+          </a:p>
+        </p:txBody>
+      </p:sp>
+      <p:sp>
+        <p:nvSpPr>
+          <p:cNvPr id="3" name="Content Placeholder 2">
+            <a:extLst>
+              <a:ext uri="{FF2B5EF4-FFF2-40B4-BE49-F238E27FC236}">
+                <a16:creationId xmlns:a16="http://schemas.microsoft.com/office/drawing/2014/main" id="{13927218-93E6-868E-2777-9A4A3D209746}"/>
+              </a:ext>
+            </a:extLst>
+          </p:cNvPr>
+          <p:cNvSpPr>
+            <a:spLocks noGrp="1"/>
+          </p:cNvSpPr>
+          <p:nvPr>
+            <p:ph idx="1"/>
+          </p:nvPr>
+        </p:nvSpPr>
+        <p:spPr>
+          <a:xfrm>
+            <a:off x="609600" y="1600200"/>
+            <a:ext cx="10972800" cy="5069160"/>
+          </a:xfrm>
+        </p:spPr>
+        <p:txBody>
+          <a:bodyPr>
+            <a:normAutofit/>
+          </a:bodyPr>
+          <a:lstStyle/>
+          <a:p>
+            <a:pPr algn="just">
+              <a:lnSpc>
+                <a:spcPct val="107000"/>
+              </a:lnSpc>
+            </a:pPr>
+            <a:r>
+              <a:rPr lang="en-GB" sz="2000" dirty="0">
+                <a:effectLst/>
+                <a:latin typeface="Arial" panose="020B0604020202020204" pitchFamily="34" charset="0"/>
+                <a:ea typeface="Times New Roman" panose="02020603050405020304" pitchFamily="18" charset="0"/>
+                <a:cs typeface="Times New Roman" panose="02020603050405020304" pitchFamily="18" charset="0"/>
+              </a:rPr>
+              <a:t>This tutorial is open to everybody, regardless of experience with HPC and accelerators</a:t>
+            </a:r>
+          </a:p>
+          <a:p>
+            <a:pPr lvl="1" algn="just">
+              <a:lnSpc>
+                <a:spcPct val="107000"/>
+              </a:lnSpc>
+            </a:pPr>
+            <a:r>
+              <a:rPr lang="en-GB" sz="1600" dirty="0">
+                <a:latin typeface="Arial" panose="020B0604020202020204" pitchFamily="34" charset="0"/>
+                <a:ea typeface="Times New Roman" panose="02020603050405020304" pitchFamily="18" charset="0"/>
+                <a:cs typeface="Times New Roman" panose="02020603050405020304" pitchFamily="18" charset="0"/>
+              </a:rPr>
+              <a:t>Is practically driven, where we will walk-through key concepts on the machine itself, and then you can explore the concepts more independently via a series of walk-throughs</a:t>
+            </a:r>
+          </a:p>
+          <a:p>
+            <a:pPr marL="342900" lvl="0" indent="-342900" algn="just">
+              <a:lnSpc>
+                <a:spcPct val="107000"/>
+              </a:lnSpc>
+              <a:buFont typeface="+mj-lt"/>
+              <a:buAutoNum type="arabicPeriod"/>
+            </a:pPr>
+            <a:endParaRPr lang="en-GB" sz="1800" dirty="0">
+              <a:effectLst/>
+              <a:latin typeface="Arial" panose="020B0604020202020204" pitchFamily="34" charset="0"/>
+              <a:ea typeface="Times New Roman" panose="02020603050405020304" pitchFamily="18" charset="0"/>
+              <a:cs typeface="Times New Roman" panose="02020603050405020304" pitchFamily="18" charset="0"/>
+            </a:endParaRPr>
+          </a:p>
+          <a:p>
+            <a:pPr marL="342900" indent="-342900" fontAlgn="base">
+              <a:spcBef>
+                <a:spcPts val="0"/>
+              </a:spcBef>
+              <a:buFont typeface="+mj-lt"/>
+              <a:buAutoNum type="arabicPeriod"/>
+            </a:pPr>
+            <a:r>
+              <a:rPr lang="en-GB" sz="1800" b="0" i="0" u="none" strike="noStrike" dirty="0">
+                <a:solidFill>
+                  <a:srgbClr val="000000"/>
+                </a:solidFill>
+                <a:effectLst/>
+                <a:latin typeface="Arial" panose="020B0604020202020204" pitchFamily="34" charset="0"/>
+              </a:rPr>
+              <a:t>Understand the CS-2 architecture &amp; core concepts</a:t>
+            </a:r>
+          </a:p>
+          <a:p>
+            <a:pPr lvl="1" fontAlgn="base">
+              <a:spcBef>
+                <a:spcPts val="0"/>
+              </a:spcBef>
+            </a:pPr>
+            <a:r>
+              <a:rPr lang="en-GB" sz="1400" dirty="0">
+                <a:solidFill>
+                  <a:srgbClr val="000000"/>
+                </a:solidFill>
+                <a:latin typeface="Arial" panose="020B0604020202020204" pitchFamily="34" charset="0"/>
+              </a:rPr>
+              <a:t>We will explore the hardware, how it is designed the and key terminology</a:t>
+            </a:r>
+            <a:endParaRPr lang="en-GB" sz="1800" b="0" i="0" u="none" strike="noStrike" dirty="0">
+              <a:solidFill>
+                <a:srgbClr val="000000"/>
+              </a:solidFill>
+              <a:effectLst/>
+              <a:latin typeface="Arial" panose="020B0604020202020204" pitchFamily="34" charset="0"/>
+            </a:endParaRPr>
+          </a:p>
+          <a:p>
+            <a:pPr marL="342900" indent="-342900" rtl="0" fontAlgn="base">
+              <a:spcBef>
+                <a:spcPts val="0"/>
+              </a:spcBef>
+              <a:spcAft>
+                <a:spcPts val="0"/>
+              </a:spcAft>
+              <a:buFont typeface="+mj-lt"/>
+              <a:buAutoNum type="arabicPeriod"/>
+            </a:pPr>
+            <a:r>
+              <a:rPr lang="en-GB" sz="1800" b="0" i="0" u="none" strike="noStrike" dirty="0">
+                <a:solidFill>
+                  <a:srgbClr val="000000"/>
+                </a:solidFill>
+                <a:effectLst/>
+                <a:latin typeface="Arial" panose="020B0604020202020204" pitchFamily="34" charset="0"/>
+              </a:rPr>
+              <a:t>Get started with the </a:t>
+            </a:r>
+            <a:r>
+              <a:rPr lang="en-GB" sz="1800" b="0" i="0" u="none" strike="noStrike" dirty="0" err="1">
+                <a:solidFill>
+                  <a:srgbClr val="000000"/>
+                </a:solidFill>
+                <a:effectLst/>
+                <a:latin typeface="Arial" panose="020B0604020202020204" pitchFamily="34" charset="0"/>
+              </a:rPr>
+              <a:t>Cerebras</a:t>
+            </a:r>
+            <a:r>
+              <a:rPr lang="en-GB" sz="1800" b="0" i="0" u="none" strike="noStrike" dirty="0">
+                <a:solidFill>
+                  <a:srgbClr val="000000"/>
+                </a:solidFill>
+                <a:effectLst/>
+                <a:latin typeface="Arial" panose="020B0604020202020204" pitchFamily="34" charset="0"/>
+              </a:rPr>
+              <a:t> SDK</a:t>
+            </a:r>
+          </a:p>
+          <a:p>
+            <a:pPr lvl="1" fontAlgn="base">
+              <a:spcBef>
+                <a:spcPts val="0"/>
+              </a:spcBef>
+            </a:pPr>
+            <a:r>
+              <a:rPr lang="en-GB" sz="1400" dirty="0">
+                <a:solidFill>
+                  <a:srgbClr val="000000"/>
+                </a:solidFill>
+                <a:latin typeface="Arial" panose="020B0604020202020204" pitchFamily="34" charset="0"/>
+              </a:rPr>
+              <a:t>Exploring key concepts for writing HPC codes for the CS-2 and understanding how to build these</a:t>
+            </a:r>
+          </a:p>
+          <a:p>
+            <a:pPr marL="342900" indent="-342900" fontAlgn="base">
+              <a:spcBef>
+                <a:spcPts val="0"/>
+              </a:spcBef>
+              <a:buFont typeface="+mj-lt"/>
+              <a:buAutoNum type="arabicPeriod"/>
+            </a:pPr>
+            <a:r>
+              <a:rPr lang="en-GB" sz="1800" b="0" i="0" u="none" strike="noStrike" dirty="0">
+                <a:solidFill>
+                  <a:srgbClr val="000000"/>
+                </a:solidFill>
+                <a:effectLst/>
+                <a:latin typeface="Arial" panose="020B0604020202020204" pitchFamily="34" charset="0"/>
+              </a:rPr>
+              <a:t>Writing multi-PE codes for the CS-2</a:t>
+            </a:r>
+          </a:p>
+          <a:p>
+            <a:pPr lvl="1" fontAlgn="base">
+              <a:spcBef>
+                <a:spcPts val="0"/>
+              </a:spcBef>
+            </a:pPr>
+            <a:r>
+              <a:rPr lang="en-GB" sz="1400" dirty="0">
+                <a:solidFill>
+                  <a:srgbClr val="000000"/>
+                </a:solidFill>
+                <a:latin typeface="Arial" panose="020B0604020202020204" pitchFamily="34" charset="0"/>
+              </a:rPr>
+              <a:t>Exploring how we can run over multiple PEs, have these communicate together and leverage the </a:t>
+            </a:r>
+            <a:r>
+              <a:rPr lang="en-GB" sz="1400" dirty="0" err="1">
+                <a:solidFill>
+                  <a:srgbClr val="000000"/>
+                </a:solidFill>
+                <a:latin typeface="Arial" panose="020B0604020202020204" pitchFamily="34" charset="0"/>
+              </a:rPr>
+              <a:t>Cerebras</a:t>
+            </a:r>
+            <a:r>
+              <a:rPr lang="en-GB" sz="1400" dirty="0">
+                <a:solidFill>
+                  <a:srgbClr val="000000"/>
+                </a:solidFill>
+                <a:latin typeface="Arial" panose="020B0604020202020204" pitchFamily="34" charset="0"/>
+              </a:rPr>
+              <a:t> collective communications library</a:t>
+            </a:r>
+            <a:endParaRPr lang="en-GB" sz="1400" b="0" i="0" u="none" strike="noStrike" dirty="0">
+              <a:solidFill>
+                <a:srgbClr val="000000"/>
+              </a:solidFill>
+              <a:effectLst/>
+              <a:latin typeface="Arial" panose="020B0604020202020204" pitchFamily="34" charset="0"/>
+            </a:endParaRPr>
+          </a:p>
+          <a:p>
+            <a:pPr marL="342900" indent="-342900" rtl="0" fontAlgn="base">
+              <a:spcBef>
+                <a:spcPts val="0"/>
+              </a:spcBef>
+              <a:spcAft>
+                <a:spcPts val="0"/>
+              </a:spcAft>
+              <a:buFont typeface="+mj-lt"/>
+              <a:buAutoNum type="arabicPeriod"/>
+            </a:pPr>
+            <a:r>
+              <a:rPr lang="en-GB" sz="1800" b="0" i="0" u="none" strike="noStrike" dirty="0">
+                <a:solidFill>
+                  <a:srgbClr val="000000"/>
+                </a:solidFill>
+                <a:effectLst/>
+                <a:latin typeface="Arial" panose="020B0604020202020204" pitchFamily="34" charset="0"/>
+              </a:rPr>
+              <a:t>Write programs for the CS-2 based on the hands-on activity</a:t>
+            </a:r>
+          </a:p>
+          <a:p>
+            <a:pPr lvl="1" fontAlgn="base">
+              <a:spcBef>
+                <a:spcPts val="0"/>
+              </a:spcBef>
+            </a:pPr>
+            <a:r>
+              <a:rPr lang="en-GB" sz="1400" dirty="0">
+                <a:solidFill>
+                  <a:srgbClr val="000000"/>
+                </a:solidFill>
+                <a:latin typeface="Arial" panose="020B0604020202020204" pitchFamily="34" charset="0"/>
+              </a:rPr>
+              <a:t>Bringing the concepts together and using these to develop a real code for the CS-2 and optimise it</a:t>
+            </a:r>
+            <a:endParaRPr lang="en-GB" sz="1400" b="0" i="0" u="none" strike="noStrike" dirty="0">
+              <a:solidFill>
+                <a:srgbClr val="000000"/>
+              </a:solidFill>
+              <a:effectLst/>
+              <a:latin typeface="Arial" panose="020B0604020202020204" pitchFamily="34" charset="0"/>
+            </a:endParaRPr>
+          </a:p>
+          <a:p>
+            <a:pPr marL="342900" indent="-342900" rtl="0" fontAlgn="base">
+              <a:spcBef>
+                <a:spcPts val="0"/>
+              </a:spcBef>
+              <a:spcAft>
+                <a:spcPts val="0"/>
+              </a:spcAft>
+              <a:buFont typeface="+mj-lt"/>
+              <a:buAutoNum type="arabicPeriod"/>
+            </a:pPr>
+            <a:r>
+              <a:rPr lang="en-GB" sz="1800" b="0" i="0" u="none" strike="noStrike" dirty="0">
+                <a:solidFill>
+                  <a:srgbClr val="000000"/>
+                </a:solidFill>
+                <a:effectLst/>
+                <a:latin typeface="Arial" panose="020B0604020202020204" pitchFamily="34" charset="0"/>
+              </a:rPr>
+              <a:t>Running on the CS-2 </a:t>
+            </a:r>
+            <a:r>
+              <a:rPr lang="en-GB" sz="1800" dirty="0">
+                <a:solidFill>
+                  <a:srgbClr val="000000"/>
+                </a:solidFill>
+                <a:latin typeface="Arial" panose="020B0604020202020204" pitchFamily="34" charset="0"/>
+              </a:rPr>
+              <a:t>s</a:t>
+            </a:r>
+            <a:r>
+              <a:rPr lang="en-GB" sz="1800" b="0" i="0" u="none" strike="noStrike" dirty="0">
+                <a:solidFill>
+                  <a:srgbClr val="000000"/>
+                </a:solidFill>
+                <a:effectLst/>
+                <a:latin typeface="Arial" panose="020B0604020202020204" pitchFamily="34" charset="0"/>
+              </a:rPr>
+              <a:t>imulator</a:t>
+            </a:r>
+          </a:p>
+          <a:p>
+            <a:pPr lvl="1" fontAlgn="base">
+              <a:spcBef>
+                <a:spcPts val="0"/>
+              </a:spcBef>
+            </a:pPr>
+            <a:r>
+              <a:rPr lang="en-GB" sz="1400" dirty="0">
+                <a:solidFill>
+                  <a:srgbClr val="000000"/>
+                </a:solidFill>
+                <a:latin typeface="Arial" panose="020B0604020202020204" pitchFamily="34" charset="0"/>
+              </a:rPr>
+              <a:t>Much of development is done with a simulator, we will explore how to use this and leverage it when writing code</a:t>
+            </a:r>
+            <a:endParaRPr lang="en-GB" sz="1400" b="0" i="0" u="none" strike="noStrike" dirty="0">
+              <a:solidFill>
+                <a:srgbClr val="000000"/>
+              </a:solidFill>
+              <a:effectLst/>
+              <a:latin typeface="Arial" panose="020B0604020202020204" pitchFamily="34" charset="0"/>
+            </a:endParaRPr>
+          </a:p>
+          <a:p>
+            <a:pPr marL="342900" indent="-342900" rtl="0" fontAlgn="base">
+              <a:spcBef>
+                <a:spcPts val="0"/>
+              </a:spcBef>
+              <a:spcAft>
+                <a:spcPts val="0"/>
+              </a:spcAft>
+              <a:buFont typeface="+mj-lt"/>
+              <a:buAutoNum type="arabicPeriod"/>
+            </a:pPr>
+            <a:r>
+              <a:rPr lang="en-GB" sz="1800" b="0" i="0" u="none" strike="noStrike" dirty="0">
+                <a:solidFill>
+                  <a:srgbClr val="000000"/>
+                </a:solidFill>
+                <a:effectLst/>
+                <a:latin typeface="Arial" panose="020B0604020202020204" pitchFamily="34" charset="0"/>
+              </a:rPr>
+              <a:t>Running on a real CS-2 machine</a:t>
+            </a:r>
+          </a:p>
+          <a:p>
+            <a:pPr lvl="1" fontAlgn="base">
+              <a:spcBef>
+                <a:spcPts val="0"/>
+              </a:spcBef>
+            </a:pPr>
+            <a:r>
+              <a:rPr lang="en-GB" sz="1400" dirty="0">
+                <a:solidFill>
+                  <a:srgbClr val="000000"/>
+                </a:solidFill>
+                <a:latin typeface="Arial" panose="020B0604020202020204" pitchFamily="34" charset="0"/>
+              </a:rPr>
+              <a:t>Ultimately we want to accelerate our HPC codes on the CS-2, we will run our hands-on exercises on a real CS-2 machine</a:t>
+            </a:r>
+            <a:endParaRPr lang="en-GB" sz="1400" b="0" i="0" u="none" strike="noStrike" dirty="0">
+              <a:solidFill>
+                <a:srgbClr val="000000"/>
+              </a:solidFill>
+              <a:effectLst/>
+              <a:latin typeface="Arial" panose="020B0604020202020204" pitchFamily="34" charset="0"/>
+            </a:endParaRPr>
+          </a:p>
+          <a:p>
+            <a:endParaRPr lang="en-GB" dirty="0"/>
+          </a:p>
+        </p:txBody>
+      </p:sp>
+      <p:sp>
+        <p:nvSpPr>
+          <p:cNvPr id="4" name="TextBox 3">
+            <a:extLst>
+              <a:ext uri="{FF2B5EF4-FFF2-40B4-BE49-F238E27FC236}">
+                <a16:creationId xmlns:a16="http://schemas.microsoft.com/office/drawing/2014/main" id="{44821A51-0D6E-A984-2AB2-739F55177D86}"/>
+              </a:ext>
+            </a:extLst>
+          </p:cNvPr>
+          <p:cNvSpPr txBox="1"/>
+          <p:nvPr/>
+        </p:nvSpPr>
+        <p:spPr>
+          <a:xfrm>
+            <a:off x="1343472" y="6283104"/>
+            <a:ext cx="9505056" cy="338554"/>
+          </a:xfrm>
+          <a:prstGeom prst="rect">
+            <a:avLst/>
+          </a:prstGeom>
+          <a:noFill/>
+        </p:spPr>
+        <p:txBody>
+          <a:bodyPr wrap="square" rtlCol="0">
+            <a:spAutoFit/>
+          </a:bodyPr>
+          <a:lstStyle/>
+          <a:p>
+            <a:pPr algn="ctr"/>
+            <a:r>
+              <a:rPr lang="en-GB" sz="1600" i="1" dirty="0">
+                <a:solidFill>
+                  <a:srgbClr val="FF0000"/>
+                </a:solidFill>
+              </a:rPr>
+              <a:t>We are also happy to discuss your own applications and how these might be ported to the architecture</a:t>
+            </a:r>
+          </a:p>
+        </p:txBody>
+      </p:sp>
+    </p:spTree>
+    <p:extLst>
+      <p:ext uri="{BB962C8B-B14F-4D97-AF65-F5344CB8AC3E}">
+        <p14:creationId xmlns:p14="http://schemas.microsoft.com/office/powerpoint/2010/main" val="852244161"/>
+      </p:ext>
+    </p:extLst>
+  </p:cSld>
+  <p:clrMapOvr>
+    <a:masterClrMapping/>
+  </p:clrMapOvr>
+</p:sld>
+</file>
+
+<file path=ppt/slides/slide6.xml><?xml version="1.0" encoding="utf-8"?>
+<p:sld xmlns:a="http://schemas.openxmlformats.org/drawingml/2006/main" xmlns:r="http://schemas.openxmlformats.org/officeDocument/2006/relationships" xmlns:p="http://schemas.openxmlformats.org/presentationml/2006/main">
+  <p:cSld>
+    <p:spTree>
+      <p:nvGrpSpPr>
+        <p:cNvPr id="1" name=""/>
+        <p:cNvGrpSpPr/>
+        <p:nvPr/>
+      </p:nvGrpSpPr>
+      <p:grpSpPr>
+        <a:xfrm>
+          <a:off x="0" y="0"/>
+          <a:ext cx="0" cy="0"/>
+          <a:chOff x="0" y="0"/>
+          <a:chExt cx="0" cy="0"/>
+        </a:xfrm>
+      </p:grpSpPr>
+      <p:sp>
+        <p:nvSpPr>
+          <p:cNvPr id="2" name="Title 1">
+            <a:extLst>
+              <a:ext uri="{FF2B5EF4-FFF2-40B4-BE49-F238E27FC236}">
+                <a16:creationId xmlns:a16="http://schemas.microsoft.com/office/drawing/2014/main" id="{18AC2F1E-711D-7F1C-36D8-D1C272A637FF}"/>
+              </a:ext>
+            </a:extLst>
+          </p:cNvPr>
+          <p:cNvSpPr>
+            <a:spLocks noGrp="1"/>
+          </p:cNvSpPr>
+          <p:nvPr>
+            <p:ph type="title"/>
+          </p:nvPr>
+        </p:nvSpPr>
+        <p:spPr/>
+        <p:txBody>
+          <a:bodyPr/>
+          <a:lstStyle/>
+          <a:p>
+            <a:r>
+              <a:rPr lang="en-GB" dirty="0"/>
+              <a:t>Session plan</a:t>
+            </a:r>
+          </a:p>
+        </p:txBody>
+      </p:sp>
+      <p:graphicFrame>
+        <p:nvGraphicFramePr>
+          <p:cNvPr id="3" name="Table 2">
+            <a:extLst>
+              <a:ext uri="{FF2B5EF4-FFF2-40B4-BE49-F238E27FC236}">
+                <a16:creationId xmlns:a16="http://schemas.microsoft.com/office/drawing/2014/main" id="{1A27214A-A2C0-5E75-D924-B91E7D19A325}"/>
+              </a:ext>
+            </a:extLst>
+          </p:cNvPr>
+          <p:cNvGraphicFramePr>
+            <a:graphicFrameLocks noGrp="1"/>
+          </p:cNvGraphicFramePr>
+          <p:nvPr>
+            <p:extLst>
+              <p:ext uri="{D42A27DB-BD31-4B8C-83A1-F6EECF244321}">
+                <p14:modId xmlns:p14="http://schemas.microsoft.com/office/powerpoint/2010/main" val="3114977231"/>
+              </p:ext>
+            </p:extLst>
+          </p:nvPr>
+        </p:nvGraphicFramePr>
+        <p:xfrm>
+          <a:off x="1795748" y="1488793"/>
+          <a:ext cx="8600504" cy="4744720"/>
+        </p:xfrm>
+        <a:graphic>
+          <a:graphicData uri="http://schemas.openxmlformats.org/drawingml/2006/table">
+            <a:tbl>
+              <a:tblPr firstRow="1" bandRow="1">
+                <a:tableStyleId>{5C22544A-7EE6-4342-B048-85BDC9FD1C3A}</a:tableStyleId>
+              </a:tblPr>
+              <a:tblGrid>
+                <a:gridCol w="1314768">
+                  <a:extLst>
+                    <a:ext uri="{9D8B030D-6E8A-4147-A177-3AD203B41FA5}">
+                      <a16:colId xmlns:a16="http://schemas.microsoft.com/office/drawing/2014/main" val="128142950"/>
+                    </a:ext>
+                  </a:extLst>
+                </a:gridCol>
+                <a:gridCol w="5989592">
+                  <a:extLst>
+                    <a:ext uri="{9D8B030D-6E8A-4147-A177-3AD203B41FA5}">
+                      <a16:colId xmlns:a16="http://schemas.microsoft.com/office/drawing/2014/main" val="1966368030"/>
+                    </a:ext>
+                  </a:extLst>
+                </a:gridCol>
+                <a:gridCol w="1296144">
+                  <a:extLst>
+                    <a:ext uri="{9D8B030D-6E8A-4147-A177-3AD203B41FA5}">
+                      <a16:colId xmlns:a16="http://schemas.microsoft.com/office/drawing/2014/main" val="2347166179"/>
+                    </a:ext>
+                  </a:extLst>
+                </a:gridCol>
+              </a:tblGrid>
+              <a:tr h="370840">
+                <a:tc>
+                  <a:txBody>
+                    <a:bodyPr/>
+                    <a:lstStyle/>
+                    <a:p>
+                      <a:r>
+                        <a:rPr lang="en-GB" dirty="0"/>
+                        <a:t>Time</a:t>
+                      </a:r>
+                    </a:p>
+                  </a:txBody>
+                  <a:tcPr/>
+                </a:tc>
+                <a:tc>
+                  <a:txBody>
+                    <a:bodyPr/>
+                    <a:lstStyle/>
+                    <a:p>
+                      <a:r>
+                        <a:rPr lang="en-GB" dirty="0"/>
+                        <a:t>Title</a:t>
+                      </a:r>
+                    </a:p>
+                  </a:txBody>
+                  <a:tcPr/>
+                </a:tc>
+                <a:tc>
+                  <a:txBody>
+                    <a:bodyPr/>
+                    <a:lstStyle/>
+                    <a:p>
+                      <a:r>
+                        <a:rPr lang="en-GB" dirty="0"/>
+                        <a:t>Type</a:t>
+                      </a:r>
+                    </a:p>
+                  </a:txBody>
+                  <a:tcPr/>
+                </a:tc>
+                <a:extLst>
+                  <a:ext uri="{0D108BD9-81ED-4DB2-BD59-A6C34878D82A}">
+                    <a16:rowId xmlns:a16="http://schemas.microsoft.com/office/drawing/2014/main" val="862283430"/>
+                  </a:ext>
+                </a:extLst>
+              </a:tr>
+              <a:tr h="370840">
+                <a:tc>
+                  <a:txBody>
+                    <a:bodyPr/>
+                    <a:lstStyle/>
+                    <a:p>
+                      <a:r>
+                        <a:rPr lang="en-GB" sz="1400" dirty="0"/>
+                        <a:t>9:00 – 9:05</a:t>
+                      </a:r>
+                    </a:p>
+                  </a:txBody>
+                  <a:tcPr/>
+                </a:tc>
+                <a:tc>
+                  <a:txBody>
+                    <a:bodyPr/>
+                    <a:lstStyle/>
+                    <a:p>
+                      <a:r>
+                        <a:rPr lang="en-GB" sz="1400" kern="1200" dirty="0">
+                          <a:solidFill>
+                            <a:schemeClr val="dk1"/>
+                          </a:solidFill>
+                          <a:effectLst/>
+                          <a:latin typeface="+mn-lt"/>
+                          <a:ea typeface="+mn-ea"/>
+                          <a:cs typeface="+mn-cs"/>
+                        </a:rPr>
+                        <a:t>Introduction, welcome and objectives</a:t>
+                      </a:r>
+                      <a:endParaRPr lang="en-GB" sz="1400" dirty="0"/>
+                    </a:p>
+                  </a:txBody>
+                  <a:tcPr/>
+                </a:tc>
+                <a:tc>
+                  <a:txBody>
+                    <a:bodyPr/>
+                    <a:lstStyle/>
+                    <a:p>
+                      <a:r>
+                        <a:rPr lang="en-GB" sz="1400" dirty="0"/>
+                        <a:t>Presentation</a:t>
+                      </a:r>
+                    </a:p>
+                  </a:txBody>
+                  <a:tcPr/>
+                </a:tc>
+                <a:extLst>
+                  <a:ext uri="{0D108BD9-81ED-4DB2-BD59-A6C34878D82A}">
+                    <a16:rowId xmlns:a16="http://schemas.microsoft.com/office/drawing/2014/main" val="3412615056"/>
+                  </a:ext>
+                </a:extLst>
+              </a:tr>
+              <a:tr h="370840">
+                <a:tc>
+                  <a:txBody>
+                    <a:bodyPr/>
+                    <a:lstStyle/>
+                    <a:p>
+                      <a:r>
+                        <a:rPr lang="en-GB" sz="1400" dirty="0"/>
+                        <a:t>9:05 – 9:25</a:t>
+                      </a:r>
+                    </a:p>
+                  </a:txBody>
+                  <a:tcPr/>
+                </a:tc>
+                <a:tc>
+                  <a:txBody>
+                    <a:bodyPr/>
+                    <a:lstStyle/>
+                    <a:p>
+                      <a:r>
+                        <a:rPr lang="en-GB" sz="1400" kern="1200" dirty="0">
+                          <a:solidFill>
+                            <a:schemeClr val="dk1"/>
+                          </a:solidFill>
+                          <a:effectLst/>
+                          <a:latin typeface="+mn-lt"/>
+                          <a:ea typeface="+mn-ea"/>
+                          <a:cs typeface="+mn-cs"/>
+                        </a:rPr>
+                        <a:t>An Overview of the CS-2 architecture</a:t>
+                      </a:r>
+                      <a:endParaRPr lang="en-GB" sz="1400" dirty="0"/>
+                    </a:p>
+                  </a:txBody>
+                  <a:tcPr/>
+                </a:tc>
+                <a:tc>
+                  <a:txBody>
+                    <a:bodyPr/>
+                    <a:lstStyle/>
+                    <a:p>
+                      <a:r>
+                        <a:rPr lang="en-GB" sz="1400" dirty="0"/>
+                        <a:t>Presentation</a:t>
+                      </a:r>
+                    </a:p>
+                  </a:txBody>
+                  <a:tcPr/>
+                </a:tc>
+                <a:extLst>
+                  <a:ext uri="{0D108BD9-81ED-4DB2-BD59-A6C34878D82A}">
+                    <a16:rowId xmlns:a16="http://schemas.microsoft.com/office/drawing/2014/main" val="3554722474"/>
+                  </a:ext>
+                </a:extLst>
+              </a:tr>
+              <a:tr h="370840">
+                <a:tc>
+                  <a:txBody>
+                    <a:bodyPr/>
+                    <a:lstStyle/>
+                    <a:p>
+                      <a:r>
+                        <a:rPr lang="en-GB" sz="1400" dirty="0"/>
+                        <a:t>9:25 – 9:35</a:t>
+                      </a:r>
+                    </a:p>
+                  </a:txBody>
+                  <a:tcPr/>
+                </a:tc>
+                <a:tc>
+                  <a:txBody>
+                    <a:bodyPr/>
+                    <a:lstStyle/>
+                    <a:p>
+                      <a:r>
+                        <a:rPr lang="en-GB" sz="1400" kern="1200" dirty="0">
+                          <a:solidFill>
+                            <a:schemeClr val="dk1"/>
+                          </a:solidFill>
+                          <a:effectLst/>
+                          <a:latin typeface="+mn-lt"/>
+                          <a:ea typeface="+mn-ea"/>
+                          <a:cs typeface="+mn-cs"/>
+                        </a:rPr>
+                        <a:t>Logging onto the CS-2 machine</a:t>
+                      </a:r>
+                      <a:endParaRPr lang="en-GB" sz="1400" dirty="0"/>
+                    </a:p>
+                  </a:txBody>
+                  <a:tcPr/>
+                </a:tc>
+                <a:tc>
+                  <a:txBody>
+                    <a:bodyPr/>
+                    <a:lstStyle/>
+                    <a:p>
+                      <a:r>
+                        <a:rPr lang="en-GB" sz="1400" dirty="0"/>
+                        <a:t>Practical</a:t>
+                      </a:r>
+                    </a:p>
+                  </a:txBody>
+                  <a:tcPr/>
+                </a:tc>
+                <a:extLst>
+                  <a:ext uri="{0D108BD9-81ED-4DB2-BD59-A6C34878D82A}">
+                    <a16:rowId xmlns:a16="http://schemas.microsoft.com/office/drawing/2014/main" val="2486028754"/>
+                  </a:ext>
+                </a:extLst>
+              </a:tr>
+              <a:tr h="370840">
+                <a:tc>
+                  <a:txBody>
+                    <a:bodyPr/>
+                    <a:lstStyle/>
+                    <a:p>
+                      <a:r>
+                        <a:rPr lang="en-GB" sz="1400" dirty="0"/>
+                        <a:t>9:35 – 10:35</a:t>
+                      </a:r>
+                    </a:p>
+                  </a:txBody>
+                  <a:tcPr/>
+                </a:tc>
+                <a:tc>
+                  <a:txBody>
+                    <a:bodyPr/>
+                    <a:lstStyle/>
+                    <a:p>
+                      <a:r>
+                        <a:rPr lang="en-GB" sz="1400" kern="1200" dirty="0">
+                          <a:solidFill>
+                            <a:schemeClr val="dk1"/>
+                          </a:solidFill>
+                          <a:effectLst/>
+                          <a:latin typeface="+mn-lt"/>
+                          <a:ea typeface="+mn-ea"/>
+                          <a:cs typeface="+mn-cs"/>
+                        </a:rPr>
+                        <a:t>Practical walkthrough: Intro to SDK (CSL + Host Runtime)</a:t>
+                      </a:r>
+                      <a:endParaRPr lang="en-GB" sz="1400" dirty="0"/>
+                    </a:p>
+                  </a:txBody>
+                  <a:tcPr/>
+                </a:tc>
+                <a:tc>
+                  <a:txBody>
+                    <a:bodyPr/>
+                    <a:lstStyle/>
+                    <a:p>
+                      <a:r>
+                        <a:rPr lang="en-GB" sz="1400" dirty="0"/>
+                        <a:t>Walk through</a:t>
+                      </a:r>
+                    </a:p>
+                  </a:txBody>
+                  <a:tcPr/>
+                </a:tc>
+                <a:extLst>
+                  <a:ext uri="{0D108BD9-81ED-4DB2-BD59-A6C34878D82A}">
+                    <a16:rowId xmlns:a16="http://schemas.microsoft.com/office/drawing/2014/main" val="1313890653"/>
+                  </a:ext>
+                </a:extLst>
+              </a:tr>
+              <a:tr h="370840">
+                <a:tc>
+                  <a:txBody>
+                    <a:bodyPr/>
+                    <a:lstStyle/>
+                    <a:p>
+                      <a:r>
+                        <a:rPr lang="en-GB" sz="1400" dirty="0"/>
+                        <a:t>10:35 – 11:00</a:t>
+                      </a:r>
+                    </a:p>
+                  </a:txBody>
+                  <a:tcPr/>
+                </a:tc>
+                <a:tc>
+                  <a:txBody>
+                    <a:bodyPr/>
+                    <a:lstStyle/>
+                    <a:p>
+                      <a:r>
+                        <a:rPr lang="en-GB" sz="1400" kern="1200" dirty="0">
+                          <a:solidFill>
+                            <a:schemeClr val="dk1"/>
+                          </a:solidFill>
+                          <a:effectLst/>
+                          <a:latin typeface="+mn-lt"/>
+                          <a:ea typeface="+mn-ea"/>
+                          <a:cs typeface="+mn-cs"/>
+                        </a:rPr>
+                        <a:t>Hands-on practical activity one</a:t>
+                      </a:r>
+                      <a:endParaRPr lang="en-GB" sz="1400" dirty="0"/>
+                    </a:p>
+                  </a:txBody>
+                  <a:tcPr/>
+                </a:tc>
+                <a:tc>
+                  <a:txBody>
+                    <a:bodyPr/>
+                    <a:lstStyle/>
+                    <a:p>
+                      <a:r>
+                        <a:rPr lang="en-GB" sz="1400" dirty="0"/>
+                        <a:t>Practical</a:t>
+                      </a:r>
+                    </a:p>
+                  </a:txBody>
+                  <a:tcPr/>
+                </a:tc>
+                <a:extLst>
+                  <a:ext uri="{0D108BD9-81ED-4DB2-BD59-A6C34878D82A}">
+                    <a16:rowId xmlns:a16="http://schemas.microsoft.com/office/drawing/2014/main" val="4148255757"/>
+                  </a:ext>
+                </a:extLst>
+              </a:tr>
+              <a:tr h="370840">
+                <a:tc>
+                  <a:txBody>
+                    <a:bodyPr/>
+                    <a:lstStyle/>
+                    <a:p>
+                      <a:r>
+                        <a:rPr lang="en-GB" sz="1400" dirty="0"/>
+                        <a:t>11:00 – 11:30</a:t>
+                      </a:r>
+                    </a:p>
+                  </a:txBody>
+                  <a:tcPr/>
+                </a:tc>
+                <a:tc>
+                  <a:txBody>
+                    <a:bodyPr/>
+                    <a:lstStyle/>
+                    <a:p>
+                      <a:r>
+                        <a:rPr lang="en-GB" sz="1400" kern="1200" dirty="0">
+                          <a:solidFill>
+                            <a:schemeClr val="dk1"/>
+                          </a:solidFill>
+                          <a:effectLst/>
+                          <a:latin typeface="+mn-lt"/>
+                          <a:ea typeface="+mn-ea"/>
+                          <a:cs typeface="+mn-cs"/>
+                        </a:rPr>
+                        <a:t>ISC morning break</a:t>
+                      </a:r>
+                      <a:endParaRPr lang="en-GB" sz="1400" dirty="0"/>
+                    </a:p>
+                  </a:txBody>
+                  <a:tcPr/>
+                </a:tc>
+                <a:tc>
+                  <a:txBody>
+                    <a:bodyPr/>
+                    <a:lstStyle/>
+                    <a:p>
+                      <a:endParaRPr lang="en-GB" sz="1400"/>
+                    </a:p>
+                  </a:txBody>
+                  <a:tcPr/>
+                </a:tc>
+                <a:extLst>
+                  <a:ext uri="{0D108BD9-81ED-4DB2-BD59-A6C34878D82A}">
+                    <a16:rowId xmlns:a16="http://schemas.microsoft.com/office/drawing/2014/main" val="867590926"/>
+                  </a:ext>
+                </a:extLst>
+              </a:tr>
+              <a:tr h="370840">
+                <a:tc>
+                  <a:txBody>
+                    <a:bodyPr/>
+                    <a:lstStyle/>
+                    <a:p>
+                      <a:r>
+                        <a:rPr lang="en-GB" sz="1400" dirty="0"/>
+                        <a:t>11:30 – 11:35</a:t>
+                      </a:r>
+                    </a:p>
+                  </a:txBody>
+                  <a:tcPr/>
+                </a:tc>
+                <a:tc>
+                  <a:txBody>
+                    <a:bodyPr/>
+                    <a:lstStyle/>
+                    <a:p>
+                      <a:r>
+                        <a:rPr lang="en-GB" sz="1400" kern="1200" dirty="0">
+                          <a:solidFill>
+                            <a:schemeClr val="dk1"/>
+                          </a:solidFill>
+                          <a:effectLst/>
+                          <a:latin typeface="+mn-lt"/>
+                          <a:ea typeface="+mn-ea"/>
+                          <a:cs typeface="+mn-cs"/>
+                        </a:rPr>
+                        <a:t>Welcome back and overview of second part</a:t>
+                      </a:r>
+                      <a:endParaRPr lang="en-GB" sz="1400" dirty="0"/>
+                    </a:p>
+                  </a:txBody>
+                  <a:tcPr/>
+                </a:tc>
+                <a:tc>
+                  <a:txBody>
+                    <a:bodyPr/>
+                    <a:lstStyle/>
+                    <a:p>
+                      <a:r>
+                        <a:rPr lang="en-GB" sz="1400" dirty="0"/>
+                        <a:t>Presentation</a:t>
+                      </a:r>
+                    </a:p>
+                  </a:txBody>
+                  <a:tcPr/>
+                </a:tc>
+                <a:extLst>
+                  <a:ext uri="{0D108BD9-81ED-4DB2-BD59-A6C34878D82A}">
+                    <a16:rowId xmlns:a16="http://schemas.microsoft.com/office/drawing/2014/main" val="3539577011"/>
+                  </a:ext>
+                </a:extLst>
+              </a:tr>
+              <a:tr h="370840">
+                <a:tc>
+                  <a:txBody>
+                    <a:bodyPr/>
+                    <a:lstStyle/>
+                    <a:p>
+                      <a:r>
+                        <a:rPr lang="en-GB" sz="1400" dirty="0"/>
+                        <a:t>11:35 – 11:55</a:t>
+                      </a:r>
+                    </a:p>
+                  </a:txBody>
+                  <a:tcPr/>
+                </a:tc>
+                <a:tc>
+                  <a:txBody>
+                    <a:bodyPr/>
+                    <a:lstStyle/>
+                    <a:p>
+                      <a:r>
+                        <a:rPr lang="en-GB" sz="1400" kern="1200" dirty="0">
+                          <a:solidFill>
+                            <a:schemeClr val="dk1"/>
+                          </a:solidFill>
+                          <a:effectLst/>
+                          <a:latin typeface="+mn-lt"/>
+                          <a:ea typeface="+mn-ea"/>
+                          <a:cs typeface="+mn-cs"/>
+                        </a:rPr>
+                        <a:t>Practical walkthrough: Using multiple PEs and communication</a:t>
+                      </a:r>
+                      <a:endParaRPr lang="en-GB" sz="1400" dirty="0"/>
+                    </a:p>
+                  </a:txBody>
+                  <a:tcPr/>
+                </a:tc>
+                <a:tc>
+                  <a:txBody>
+                    <a:bodyPr/>
+                    <a:lstStyle/>
+                    <a:p>
+                      <a:pPr marL="0" marR="0" lvl="0" indent="0" algn="l" defTabSz="914400" rtl="0" eaLnBrk="1" fontAlgn="auto" latinLnBrk="0" hangingPunct="1">
+                        <a:lnSpc>
+                          <a:spcPct val="100000"/>
+                        </a:lnSpc>
+                        <a:spcBef>
+                          <a:spcPts val="0"/>
+                        </a:spcBef>
+                        <a:spcAft>
+                          <a:spcPts val="0"/>
+                        </a:spcAft>
+                        <a:buClrTx/>
+                        <a:buSzTx/>
+                        <a:buFontTx/>
+                        <a:buNone/>
+                        <a:tabLst/>
+                        <a:defRPr/>
+                      </a:pPr>
+                      <a:r>
+                        <a:rPr lang="en-GB" sz="1400" dirty="0"/>
+                        <a:t>Walk through</a:t>
+                      </a:r>
+                    </a:p>
+                    <a:p>
+                      <a:endParaRPr lang="en-GB" sz="1400" dirty="0"/>
+                    </a:p>
+                  </a:txBody>
+                  <a:tcPr/>
+                </a:tc>
+                <a:extLst>
+                  <a:ext uri="{0D108BD9-81ED-4DB2-BD59-A6C34878D82A}">
+                    <a16:rowId xmlns:a16="http://schemas.microsoft.com/office/drawing/2014/main" val="374818692"/>
+                  </a:ext>
+                </a:extLst>
+              </a:tr>
+              <a:tr h="370840">
+                <a:tc>
+                  <a:txBody>
+                    <a:bodyPr/>
+                    <a:lstStyle/>
+                    <a:p>
+                      <a:r>
+                        <a:rPr lang="en-GB" sz="1400" dirty="0"/>
+                        <a:t>11:55 – 12:45</a:t>
+                      </a:r>
+                    </a:p>
+                  </a:txBody>
+                  <a:tcPr/>
+                </a:tc>
+                <a:tc>
+                  <a:txBody>
+                    <a:bodyPr/>
+                    <a:lstStyle/>
+                    <a:p>
+                      <a:r>
+                        <a:rPr lang="en-GB" sz="1400" kern="1200" dirty="0">
+                          <a:solidFill>
+                            <a:schemeClr val="dk1"/>
+                          </a:solidFill>
+                          <a:effectLst/>
+                          <a:latin typeface="+mn-lt"/>
+                          <a:ea typeface="+mn-ea"/>
+                          <a:cs typeface="+mn-cs"/>
+                        </a:rPr>
+                        <a:t>Hands-on practical activities two and three</a:t>
+                      </a:r>
+                      <a:endParaRPr lang="en-GB" sz="1400" dirty="0"/>
+                    </a:p>
+                  </a:txBody>
+                  <a:tcPr/>
+                </a:tc>
+                <a:tc>
+                  <a:txBody>
+                    <a:bodyPr/>
+                    <a:lstStyle/>
+                    <a:p>
+                      <a:r>
+                        <a:rPr lang="en-GB" sz="1400" dirty="0"/>
+                        <a:t>Practical</a:t>
+                      </a:r>
+                    </a:p>
+                  </a:txBody>
+                  <a:tcPr/>
+                </a:tc>
+                <a:extLst>
+                  <a:ext uri="{0D108BD9-81ED-4DB2-BD59-A6C34878D82A}">
+                    <a16:rowId xmlns:a16="http://schemas.microsoft.com/office/drawing/2014/main" val="321997750"/>
+                  </a:ext>
+                </a:extLst>
+              </a:tr>
+              <a:tr h="370840">
+                <a:tc>
+                  <a:txBody>
+                    <a:bodyPr/>
+                    <a:lstStyle/>
+                    <a:p>
+                      <a:r>
+                        <a:rPr lang="en-GB" sz="1400" dirty="0"/>
+                        <a:t>12:45 – 12:52</a:t>
+                      </a:r>
+                    </a:p>
+                  </a:txBody>
+                  <a:tcPr/>
+                </a:tc>
+                <a:tc>
+                  <a:txBody>
+                    <a:bodyPr/>
+                    <a:lstStyle/>
+                    <a:p>
+                      <a:r>
+                        <a:rPr lang="en-GB" sz="1400" kern="1200" dirty="0">
+                          <a:solidFill>
+                            <a:schemeClr val="dk1"/>
+                          </a:solidFill>
+                          <a:effectLst/>
+                          <a:latin typeface="+mn-lt"/>
+                          <a:ea typeface="+mn-ea"/>
+                          <a:cs typeface="+mn-cs"/>
+                        </a:rPr>
+                        <a:t>Wash up from practical activities</a:t>
+                      </a:r>
+                      <a:endParaRPr lang="en-GB" sz="1400" dirty="0"/>
+                    </a:p>
+                  </a:txBody>
+                  <a:tcPr/>
+                </a:tc>
+                <a:tc>
+                  <a:txBody>
+                    <a:bodyPr/>
+                    <a:lstStyle/>
+                    <a:p>
+                      <a:r>
+                        <a:rPr lang="en-GB" sz="1400" dirty="0"/>
+                        <a:t>Presentation</a:t>
+                      </a:r>
+                    </a:p>
+                  </a:txBody>
+                  <a:tcPr/>
+                </a:tc>
+                <a:extLst>
+                  <a:ext uri="{0D108BD9-81ED-4DB2-BD59-A6C34878D82A}">
+                    <a16:rowId xmlns:a16="http://schemas.microsoft.com/office/drawing/2014/main" val="819732072"/>
+                  </a:ext>
+                </a:extLst>
+              </a:tr>
+              <a:tr h="370840">
+                <a:tc>
+                  <a:txBody>
+                    <a:bodyPr/>
+                    <a:lstStyle/>
+                    <a:p>
+                      <a:r>
+                        <a:rPr lang="en-GB" sz="1400" dirty="0"/>
+                        <a:t>12:52 – 13:00</a:t>
+                      </a:r>
+                    </a:p>
+                  </a:txBody>
+                  <a:tcPr/>
+                </a:tc>
+                <a:tc>
+                  <a:txBody>
+                    <a:bodyPr/>
+                    <a:lstStyle/>
+                    <a:p>
+                      <a:r>
+                        <a:rPr lang="en-GB" sz="1400" kern="1200" dirty="0">
+                          <a:solidFill>
+                            <a:schemeClr val="dk1"/>
+                          </a:solidFill>
+                          <a:effectLst/>
+                          <a:latin typeface="+mn-lt"/>
+                          <a:ea typeface="+mn-ea"/>
+                          <a:cs typeface="+mn-cs"/>
+                        </a:rPr>
+                        <a:t>Conclusions and audience next steps to continue working with the technologies</a:t>
+                      </a:r>
+                      <a:endParaRPr lang="en-GB" sz="1400" dirty="0"/>
+                    </a:p>
+                  </a:txBody>
+                  <a:tcPr/>
+                </a:tc>
+                <a:tc>
+                  <a:txBody>
+                    <a:bodyPr/>
+                    <a:lstStyle/>
+                    <a:p>
+                      <a:r>
+                        <a:rPr lang="en-GB" sz="1400" dirty="0"/>
+                        <a:t>Presentation</a:t>
+                      </a:r>
+                    </a:p>
+                  </a:txBody>
+                  <a:tcPr/>
+                </a:tc>
+                <a:extLst>
+                  <a:ext uri="{0D108BD9-81ED-4DB2-BD59-A6C34878D82A}">
+                    <a16:rowId xmlns:a16="http://schemas.microsoft.com/office/drawing/2014/main" val="2097259272"/>
+                  </a:ext>
+                </a:extLst>
+              </a:tr>
+            </a:tbl>
+          </a:graphicData>
+        </a:graphic>
+      </p:graphicFrame>
+      <p:sp>
+        <p:nvSpPr>
+          <p:cNvPr id="5" name="TextBox 4">
+            <a:extLst>
+              <a:ext uri="{FF2B5EF4-FFF2-40B4-BE49-F238E27FC236}">
+                <a16:creationId xmlns:a16="http://schemas.microsoft.com/office/drawing/2014/main" id="{6B4CEBD8-9F81-9313-4B44-0680BD6AC097}"/>
+              </a:ext>
+            </a:extLst>
+          </p:cNvPr>
+          <p:cNvSpPr txBox="1"/>
+          <p:nvPr/>
+        </p:nvSpPr>
+        <p:spPr>
+          <a:xfrm>
+            <a:off x="659396" y="6404154"/>
+            <a:ext cx="10873208" cy="307777"/>
+          </a:xfrm>
+          <a:prstGeom prst="rect">
+            <a:avLst/>
+          </a:prstGeom>
+          <a:noFill/>
+        </p:spPr>
+        <p:txBody>
+          <a:bodyPr wrap="square">
+            <a:spAutoFit/>
+          </a:bodyPr>
+          <a:lstStyle/>
+          <a:p>
+            <a:pPr algn="ctr"/>
+            <a:r>
+              <a:rPr lang="en-GB" sz="1400" i="1" dirty="0">
+                <a:solidFill>
+                  <a:srgbClr val="FF0000"/>
+                </a:solidFill>
+              </a:rPr>
+              <a:t>We will be doing the hands on and walk throughs on a real CS-2, more information about how to connect to that a little later</a:t>
+            </a:r>
+          </a:p>
+        </p:txBody>
+      </p:sp>
+    </p:spTree>
+    <p:extLst>
+      <p:ext uri="{BB962C8B-B14F-4D97-AF65-F5344CB8AC3E}">
+        <p14:creationId xmlns:p14="http://schemas.microsoft.com/office/powerpoint/2010/main" val="3596301864"/>
+      </p:ext>
+    </p:extLst>
+  </p:cSld>
+  <p:clrMapOvr>
+    <a:masterClrMapping/>
+  </p:clrMapOvr>
+</p:sld>
+</file>
+
+<file path=ppt/slides/slide7.xml><?xml version="1.0" encoding="utf-8"?>
+<p:sld xmlns:a="http://schemas.openxmlformats.org/drawingml/2006/main" xmlns:r="http://schemas.openxmlformats.org/officeDocument/2006/relationships" xmlns:p="http://schemas.openxmlformats.org/presentationml/2006/main">
+  <p:cSld>
+    <p:spTree>
+      <p:nvGrpSpPr>
+        <p:cNvPr id="1" name=""/>
+        <p:cNvGrpSpPr/>
+        <p:nvPr/>
+      </p:nvGrpSpPr>
+      <p:grpSpPr>
+        <a:xfrm>
+          <a:off x="0" y="0"/>
+          <a:ext cx="0" cy="0"/>
+          <a:chOff x="0" y="0"/>
+          <a:chExt cx="0" cy="0"/>
+        </a:xfrm>
+      </p:grpSpPr>
+      <p:sp>
+        <p:nvSpPr>
+          <p:cNvPr id="2" name="Title 1">
+            <a:extLst>
+              <a:ext uri="{FF2B5EF4-FFF2-40B4-BE49-F238E27FC236}">
                 <a16:creationId xmlns:a16="http://schemas.microsoft.com/office/drawing/2014/main" id="{118BE853-DE52-FF9C-AB5D-8B423916B43B}"/>
               </a:ext>
             </a:extLst>
@@ -5520,7 +7538,7 @@
           <a:p>
             <a:r>
               <a:rPr lang="en-GB" dirty="0"/>
-              <a:t>More generally if you wish to continue exploring this after the tutorial finishes:</a:t>
+              <a:t>More generally if you wish to continue exploring this after the tutorial finishes</a:t>
             </a:r>
           </a:p>
           <a:p>
@@ -5535,6 +7553,46 @@
               <a:rPr lang="en-GB" dirty="0"/>
               <a:t> </a:t>
             </a:r>
+          </a:p>
+          <a:p>
+            <a:pPr lvl="1"/>
+            <a:endParaRPr lang="en-GB" dirty="0"/>
+          </a:p>
+          <a:p>
+            <a:r>
+              <a:rPr lang="en-GB" dirty="0"/>
+              <a:t>There is a CS-2 developer community that you can join</a:t>
+            </a:r>
+          </a:p>
+          <a:p>
+            <a:pPr lvl="1"/>
+            <a:r>
+              <a:rPr lang="en-GB" dirty="0"/>
+              <a:t>Roughly monthly meetings</a:t>
+            </a:r>
+          </a:p>
+          <a:p>
+            <a:pPr lvl="1"/>
+            <a:r>
+              <a:rPr lang="en-GB" dirty="0"/>
+              <a:t>Forums: </a:t>
+            </a:r>
+            <a:r>
+              <a:rPr lang="en-GB" u="sng" dirty="0">
+                <a:solidFill>
+                  <a:srgbClr val="0000FF"/>
+                </a:solidFill>
+              </a:rPr>
+              <a:t>discourse.cerebras.net  </a:t>
+            </a:r>
+          </a:p>
+          <a:p>
+            <a:pPr lvl="1"/>
+            <a:endParaRPr lang="en-GB" dirty="0"/>
+          </a:p>
+          <a:p>
+            <a:pPr lvl="1"/>
+            <a:endParaRPr lang="en-GB" dirty="0"/>
           </a:p>
         </p:txBody>
       </p:sp>

--- a/lectures/powerpoints/Welcome and overview.pptx
+++ b/lectures/powerpoints/Welcome and overview.pptx
@@ -141,7 +141,7 @@
 <file path=ppt/revisionInfo.xml><?xml version="1.0" encoding="utf-8"?>
 <p1510:revInfo xmlns:a="http://schemas.openxmlformats.org/drawingml/2006/main" xmlns:r="http://schemas.openxmlformats.org/officeDocument/2006/relationships" xmlns:p1510="http://schemas.microsoft.com/office/powerpoint/2015/10/main">
   <p1510:revLst>
-    <p1510:client id="{D9727109-CA21-46D6-8CA1-1D8F9B04FC13}" v="34" dt="2023-12-19T18:30:04.757"/>
+    <p1510:client id="{F178F98C-64F6-453A-BF65-65232B90493D}" v="38" dt="2024-05-01T20:58:14.157"/>
   </p1510:revLst>
 </p1510:revInfo>
 </file>
@@ -203,7 +203,7 @@
           <a:p>
             <a:fld id="{237A3326-6BE8-4DE2-A526-66D6DC5DC342}" type="datetimeFigureOut">
               <a:rPr lang="en-GB" smtClean="0"/>
-              <a:t>19/12/2023</a:t>
+              <a:t>01/05/2024</a:t>
             </a:fld>
             <a:endParaRPr lang="en-GB"/>
           </a:p>
@@ -380,7 +380,7 @@
           <a:p>
             <a:fld id="{198E9702-0021-4473-93B9-41638846F4C4}" type="datetimeFigureOut">
               <a:rPr lang="en-GB" smtClean="0"/>
-              <a:t>19/12/2023</a:t>
+              <a:t>01/05/2024</a:t>
             </a:fld>
             <a:endParaRPr lang="en-GB"/>
           </a:p>
@@ -892,7 +892,7 @@
           <a:p>
             <a:fld id="{B1836D41-3C4D-1D49-AA54-4231464E6415}" type="datetimeFigureOut">
               <a:rPr lang="en-US" smtClean="0"/>
-              <a:t>12/19/2023</a:t>
+              <a:t>5/1/2024</a:t>
             </a:fld>
             <a:endParaRPr lang="en-US"/>
           </a:p>
@@ -1096,7 +1096,7 @@
           <a:p>
             <a:fld id="{B1836D41-3C4D-1D49-AA54-4231464E6415}" type="datetimeFigureOut">
               <a:rPr lang="en-US" smtClean="0"/>
-              <a:t>12/19/2023</a:t>
+              <a:t>5/1/2024</a:t>
             </a:fld>
             <a:endParaRPr lang="en-US"/>
           </a:p>
@@ -1277,7 +1277,7 @@
           <a:p>
             <a:fld id="{B1836D41-3C4D-1D49-AA54-4231464E6415}" type="datetimeFigureOut">
               <a:rPr lang="en-US" smtClean="0"/>
-              <a:t>12/19/2023</a:t>
+              <a:t>5/1/2024</a:t>
             </a:fld>
             <a:endParaRPr lang="en-US"/>
           </a:p>
@@ -1452,7 +1452,7 @@
           <a:p>
             <a:fld id="{B1836D41-3C4D-1D49-AA54-4231464E6415}" type="datetimeFigureOut">
               <a:rPr lang="en-US" smtClean="0"/>
-              <a:t>12/19/2023</a:t>
+              <a:t>5/1/2024</a:t>
             </a:fld>
             <a:endParaRPr lang="en-US"/>
           </a:p>
@@ -1700,7 +1700,7 @@
           <a:p>
             <a:fld id="{B1836D41-3C4D-1D49-AA54-4231464E6415}" type="datetimeFigureOut">
               <a:rPr lang="en-US" smtClean="0"/>
-              <a:t>12/19/2023</a:t>
+              <a:t>5/1/2024</a:t>
             </a:fld>
             <a:endParaRPr lang="en-US"/>
           </a:p>
@@ -2017,7 +2017,7 @@
           <a:p>
             <a:fld id="{B1836D41-3C4D-1D49-AA54-4231464E6415}" type="datetimeFigureOut">
               <a:rPr lang="en-US" smtClean="0"/>
-              <a:t>12/19/2023</a:t>
+              <a:t>5/1/2024</a:t>
             </a:fld>
             <a:endParaRPr lang="en-US"/>
           </a:p>
@@ -2483,7 +2483,7 @@
           <a:p>
             <a:fld id="{B1836D41-3C4D-1D49-AA54-4231464E6415}" type="datetimeFigureOut">
               <a:rPr lang="en-US" smtClean="0"/>
-              <a:t>12/19/2023</a:t>
+              <a:t>5/1/2024</a:t>
             </a:fld>
             <a:endParaRPr lang="en-US"/>
           </a:p>
@@ -2630,7 +2630,7 @@
           <a:p>
             <a:fld id="{B1836D41-3C4D-1D49-AA54-4231464E6415}" type="datetimeFigureOut">
               <a:rPr lang="en-US" smtClean="0"/>
-              <a:t>12/19/2023</a:t>
+              <a:t>5/1/2024</a:t>
             </a:fld>
             <a:endParaRPr lang="en-US"/>
           </a:p>
@@ -2720,7 +2720,7 @@
           <a:p>
             <a:fld id="{B1836D41-3C4D-1D49-AA54-4231464E6415}" type="datetimeFigureOut">
               <a:rPr lang="en-US" smtClean="0"/>
-              <a:t>12/19/2023</a:t>
+              <a:t>5/1/2024</a:t>
             </a:fld>
             <a:endParaRPr lang="en-US"/>
           </a:p>
@@ -2994,7 +2994,7 @@
           <a:p>
             <a:fld id="{B1836D41-3C4D-1D49-AA54-4231464E6415}" type="datetimeFigureOut">
               <a:rPr lang="en-US" smtClean="0"/>
-              <a:t>12/19/2023</a:t>
+              <a:t>5/1/2024</a:t>
             </a:fld>
             <a:endParaRPr lang="en-US"/>
           </a:p>
@@ -3299,7 +3299,7 @@
           <a:p>
             <a:fld id="{B1836D41-3C4D-1D49-AA54-4231464E6415}" type="datetimeFigureOut">
               <a:rPr lang="en-US" smtClean="0"/>
-              <a:t>12/19/2023</a:t>
+              <a:t>5/1/2024</a:t>
             </a:fld>
             <a:endParaRPr lang="en-US"/>
           </a:p>
@@ -3596,7 +3596,7 @@
           <a:p>
             <a:fld id="{B1836D41-3C4D-1D49-AA54-4231464E6415}" type="datetimeFigureOut">
               <a:rPr lang="en-US" smtClean="0"/>
-              <a:t>12/19/2023</a:t>
+              <a:t>5/1/2024</a:t>
             </a:fld>
             <a:endParaRPr lang="en-US"/>
           </a:p>
@@ -4097,7 +4097,7 @@
         </p:blipFill>
         <p:spPr bwMode="auto">
           <a:xfrm>
-            <a:off x="1090795" y="2492896"/>
+            <a:off x="79730" y="2481264"/>
             <a:ext cx="1920478" cy="2400597"/>
           </a:xfrm>
           <a:prstGeom prst="ellipse">
@@ -4134,7 +4134,7 @@
         </p:nvSpPr>
         <p:spPr>
           <a:xfrm>
-            <a:off x="1090795" y="4923227"/>
+            <a:off x="79730" y="4911595"/>
             <a:ext cx="2064097" cy="923330"/>
           </a:xfrm>
           <a:prstGeom prst="rect">
@@ -4177,7 +4177,7 @@
         </p:nvSpPr>
         <p:spPr>
           <a:xfrm>
-            <a:off x="5160853" y="4923227"/>
+            <a:off x="3133317" y="4911595"/>
             <a:ext cx="2064097" cy="923330"/>
           </a:xfrm>
           <a:prstGeom prst="rect">
@@ -4203,70 +4203,6 @@
               <a:rPr lang="en-GB" dirty="0"/>
               <a:t>EPCC University of Edinburgh</a:t>
             </a:r>
-          </a:p>
-        </p:txBody>
-      </p:sp>
-      <p:sp>
-        <p:nvSpPr>
-          <p:cNvPr id="9" name="TextBox 8">
-            <a:extLst>
-              <a:ext uri="{FF2B5EF4-FFF2-40B4-BE49-F238E27FC236}">
-                <a16:creationId xmlns:a16="http://schemas.microsoft.com/office/drawing/2014/main" id="{F591E58F-34ED-BE65-55B7-F4C3AE6D6506}"/>
-              </a:ext>
-            </a:extLst>
-          </p:cNvPr>
-          <p:cNvSpPr txBox="1"/>
-          <p:nvPr/>
-        </p:nvSpPr>
-        <p:spPr>
-          <a:xfrm>
-            <a:off x="9264352" y="4903765"/>
-            <a:ext cx="2064097" cy="646331"/>
-          </a:xfrm>
-          <a:prstGeom prst="rect">
-            <a:avLst/>
-          </a:prstGeom>
-          <a:noFill/>
-        </p:spPr>
-        <p:txBody>
-          <a:bodyPr wrap="square" rtlCol="0">
-            <a:spAutoFit/>
-          </a:bodyPr>
-          <a:lstStyle/>
-          <a:p>
-            <a:pPr algn="ctr"/>
-            <a:r>
-              <a:rPr lang="en-GB" sz="1800" b="0" i="0" u="none" strike="noStrike" dirty="0">
-                <a:solidFill>
-                  <a:srgbClr val="000000"/>
-                </a:solidFill>
-                <a:effectLst/>
-                <a:latin typeface="Arial" panose="020B0604020202020204" pitchFamily="34" charset="0"/>
-              </a:rPr>
-              <a:t>Leighton Wilson</a:t>
-            </a:r>
-          </a:p>
-          <a:p>
-            <a:pPr algn="ctr"/>
-            <a:r>
-              <a:rPr lang="en-GB" dirty="0" err="1">
-                <a:solidFill>
-                  <a:srgbClr val="000000"/>
-                </a:solidFill>
-                <a:latin typeface="Arial" panose="020B0604020202020204" pitchFamily="34" charset="0"/>
-              </a:rPr>
-              <a:t>Cerebras</a:t>
-            </a:r>
-            <a:r>
-              <a:rPr lang="en-GB" dirty="0">
-                <a:solidFill>
-                  <a:srgbClr val="000000"/>
-                </a:solidFill>
-                <a:latin typeface="Arial" panose="020B0604020202020204" pitchFamily="34" charset="0"/>
-              </a:rPr>
-              <a:t> Systems</a:t>
-            </a:r>
-            <a:endParaRPr lang="en-GB" dirty="0"/>
           </a:p>
         </p:txBody>
       </p:sp>
@@ -4297,60 +4233,8 @@
         </p:blipFill>
         <p:spPr bwMode="auto">
           <a:xfrm>
-            <a:off x="5106356" y="2708921"/>
+            <a:off x="3078820" y="2697289"/>
             <a:ext cx="2173089" cy="2184572"/>
-          </a:xfrm>
-          <a:prstGeom prst="ellipse">
-            <a:avLst/>
-          </a:prstGeom>
-          <a:ln>
-            <a:noFill/>
-          </a:ln>
-          <a:effectLst>
-            <a:softEdge rad="112500"/>
-          </a:effectLst>
-          <a:extLst>
-            <a:ext uri="{909E8E84-426E-40DD-AFC4-6F175D3DCCD1}">
-              <a14:hiddenFill xmlns:a14="http://schemas.microsoft.com/office/drawing/2010/main">
-                <a:solidFill>
-                  <a:srgbClr val="FFFFFF"/>
-                </a:solidFill>
-              </a14:hiddenFill>
-            </a:ext>
-          </a:extLst>
-        </p:spPr>
-      </p:pic>
-      <p:pic>
-        <p:nvPicPr>
-          <p:cNvPr id="1028" name="Picture 4" descr="Leighton Wilson, Author at Cerebras">
-            <a:extLst>
-              <a:ext uri="{FF2B5EF4-FFF2-40B4-BE49-F238E27FC236}">
-                <a16:creationId xmlns:a16="http://schemas.microsoft.com/office/drawing/2014/main" id="{BE50192C-FE62-E727-1308-C4F27EA0B257}"/>
-              </a:ext>
-            </a:extLst>
-          </p:cNvPr>
-          <p:cNvPicPr>
-            <a:picLocks noChangeAspect="1" noChangeArrowheads="1"/>
-          </p:cNvPicPr>
-          <p:nvPr/>
-        </p:nvPicPr>
-        <p:blipFill>
-          <a:blip r:embed="rId5">
-            <a:extLst>
-              <a:ext uri="{28A0092B-C50C-407E-A947-70E740481C1C}">
-                <a14:useLocalDpi xmlns:a14="http://schemas.microsoft.com/office/drawing/2010/main" val="0"/>
-              </a:ext>
-            </a:extLst>
-          </a:blip>
-          <a:srcRect/>
-          <a:stretch>
-            <a:fillRect/>
-          </a:stretch>
-        </p:blipFill>
-        <p:spPr bwMode="auto">
-          <a:xfrm>
-            <a:off x="9271068" y="2848367"/>
-            <a:ext cx="2045125" cy="2045125"/>
           </a:xfrm>
           <a:prstGeom prst="ellipse">
             <a:avLst/>
@@ -4387,7 +4271,7 @@
           <p:nvPr/>
         </p:nvPicPr>
         <p:blipFill rotWithShape="1">
-          <a:blip r:embed="rId6">
+          <a:blip r:embed="rId5">
             <a:extLst>
               <a:ext uri="{28A0092B-C50C-407E-A947-70E740481C1C}">
                 <a14:useLocalDpi xmlns:a14="http://schemas.microsoft.com/office/drawing/2010/main" val="0"/>
@@ -4432,7 +4316,7 @@
           <p:nvPr/>
         </p:nvPicPr>
         <p:blipFill>
-          <a:blip r:embed="rId7"/>
+          <a:blip r:embed="rId6"/>
           <a:stretch>
             <a:fillRect/>
           </a:stretch>
@@ -4462,7 +4346,7 @@
           <p:nvPr/>
         </p:nvPicPr>
         <p:blipFill>
-          <a:blip r:embed="rId8">
+          <a:blip r:embed="rId7">
             <a:extLst>
               <a:ext uri="{28A0092B-C50C-407E-A947-70E740481C1C}">
                 <a14:useLocalDpi xmlns:a14="http://schemas.microsoft.com/office/drawing/2010/main" val="0"/>
@@ -4494,6 +4378,208 @@
           </a:extLst>
         </p:spPr>
       </p:pic>
+      <p:pic>
+        <p:nvPicPr>
+          <p:cNvPr id="5" name="Picture 4" descr="David Kacs in Bayes building">
+            <a:extLst>
+              <a:ext uri="{FF2B5EF4-FFF2-40B4-BE49-F238E27FC236}">
+                <a16:creationId xmlns:a16="http://schemas.microsoft.com/office/drawing/2014/main" id="{364DDF72-D254-D375-6F5A-238F2B73044F}"/>
+              </a:ext>
+            </a:extLst>
+          </p:cNvPr>
+          <p:cNvPicPr>
+            <a:picLocks noChangeAspect="1" noChangeArrowheads="1"/>
+          </p:cNvPicPr>
+          <p:nvPr/>
+        </p:nvPicPr>
+        <p:blipFill rotWithShape="1">
+          <a:blip r:embed="rId8">
+            <a:extLst>
+              <a:ext uri="{28A0092B-C50C-407E-A947-70E740481C1C}">
+                <a14:useLocalDpi xmlns:a14="http://schemas.microsoft.com/office/drawing/2010/main" val="0"/>
+              </a:ext>
+            </a:extLst>
+          </a:blip>
+          <a:srcRect l="19130" t="10934" r="60264" b="50000"/>
+          <a:stretch/>
+        </p:blipFill>
+        <p:spPr bwMode="auto">
+          <a:xfrm>
+            <a:off x="9656952" y="2500680"/>
+            <a:ext cx="2122160" cy="2400597"/>
+          </a:xfrm>
+          <a:prstGeom prst="ellipse">
+            <a:avLst/>
+          </a:prstGeom>
+          <a:ln>
+            <a:noFill/>
+          </a:ln>
+          <a:effectLst>
+            <a:softEdge rad="112500"/>
+          </a:effectLst>
+          <a:extLst>
+            <a:ext uri="{909E8E84-426E-40DD-AFC4-6F175D3DCCD1}">
+              <a14:hiddenFill xmlns:a14="http://schemas.microsoft.com/office/drawing/2010/main">
+                <a:solidFill>
+                  <a:srgbClr val="FFFFFF"/>
+                </a:solidFill>
+              </a14:hiddenFill>
+            </a:ext>
+          </a:extLst>
+        </p:spPr>
+      </p:pic>
+      <p:sp>
+        <p:nvSpPr>
+          <p:cNvPr id="6" name="TextBox 5">
+            <a:extLst>
+              <a:ext uri="{FF2B5EF4-FFF2-40B4-BE49-F238E27FC236}">
+                <a16:creationId xmlns:a16="http://schemas.microsoft.com/office/drawing/2014/main" id="{9EE4E787-3606-7765-C2A9-B9F90A8CDBD3}"/>
+              </a:ext>
+            </a:extLst>
+          </p:cNvPr>
+          <p:cNvSpPr txBox="1"/>
+          <p:nvPr/>
+        </p:nvSpPr>
+        <p:spPr>
+          <a:xfrm>
+            <a:off x="9685983" y="4901277"/>
+            <a:ext cx="2064097" cy="923330"/>
+          </a:xfrm>
+          <a:prstGeom prst="rect">
+            <a:avLst/>
+          </a:prstGeom>
+          <a:noFill/>
+        </p:spPr>
+        <p:txBody>
+          <a:bodyPr wrap="square" rtlCol="0">
+            <a:spAutoFit/>
+          </a:bodyPr>
+          <a:lstStyle/>
+          <a:p>
+            <a:pPr algn="ctr"/>
+            <a:r>
+              <a:rPr lang="en-GB" dirty="0"/>
+              <a:t>David </a:t>
+            </a:r>
+            <a:r>
+              <a:rPr lang="en-GB" dirty="0" err="1"/>
+              <a:t>Kacs</a:t>
+            </a:r>
+            <a:endParaRPr lang="en-GB" dirty="0"/>
+          </a:p>
+          <a:p>
+            <a:pPr algn="ctr"/>
+            <a:r>
+              <a:rPr lang="en-GB" dirty="0"/>
+              <a:t>EPCC University of Edinburgh</a:t>
+            </a:r>
+          </a:p>
+        </p:txBody>
+      </p:sp>
+      <p:pic>
+        <p:nvPicPr>
+          <p:cNvPr id="11" name="Picture 6" descr="Justs Zarins">
+            <a:extLst>
+              <a:ext uri="{FF2B5EF4-FFF2-40B4-BE49-F238E27FC236}">
+                <a16:creationId xmlns:a16="http://schemas.microsoft.com/office/drawing/2014/main" id="{A8018049-7132-E7F0-72B7-20FE5F6328B8}"/>
+              </a:ext>
+            </a:extLst>
+          </p:cNvPr>
+          <p:cNvPicPr>
+            <a:picLocks noChangeAspect="1" noChangeArrowheads="1"/>
+          </p:cNvPicPr>
+          <p:nvPr/>
+        </p:nvPicPr>
+        <p:blipFill>
+          <a:blip r:embed="rId9">
+            <a:extLst>
+              <a:ext uri="{28A0092B-C50C-407E-A947-70E740481C1C}">
+                <a14:useLocalDpi xmlns:a14="http://schemas.microsoft.com/office/drawing/2010/main" val="0"/>
+              </a:ext>
+            </a:extLst>
+          </a:blip>
+          <a:srcRect/>
+          <a:stretch>
+            <a:fillRect/>
+          </a:stretch>
+        </p:blipFill>
+        <p:spPr bwMode="auto">
+          <a:xfrm>
+            <a:off x="6398032" y="2529435"/>
+            <a:ext cx="2016224" cy="2520280"/>
+          </a:xfrm>
+          <a:prstGeom prst="ellipse">
+            <a:avLst/>
+          </a:prstGeom>
+          <a:ln>
+            <a:noFill/>
+          </a:ln>
+          <a:effectLst>
+            <a:softEdge rad="112500"/>
+          </a:effectLst>
+          <a:extLst>
+            <a:ext uri="{909E8E84-426E-40DD-AFC4-6F175D3DCCD1}">
+              <a14:hiddenFill xmlns:a14="http://schemas.microsoft.com/office/drawing/2010/main">
+                <a:solidFill>
+                  <a:srgbClr val="FFFFFF"/>
+                </a:solidFill>
+              </a14:hiddenFill>
+            </a:ext>
+          </a:extLst>
+        </p:spPr>
+      </p:pic>
+      <p:sp>
+        <p:nvSpPr>
+          <p:cNvPr id="12" name="TextBox 11">
+            <a:extLst>
+              <a:ext uri="{FF2B5EF4-FFF2-40B4-BE49-F238E27FC236}">
+                <a16:creationId xmlns:a16="http://schemas.microsoft.com/office/drawing/2014/main" id="{9FD782DE-6C60-9164-0AD2-B7AE3829B7E2}"/>
+              </a:ext>
+            </a:extLst>
+          </p:cNvPr>
+          <p:cNvSpPr txBox="1"/>
+          <p:nvPr/>
+        </p:nvSpPr>
+        <p:spPr>
+          <a:xfrm>
+            <a:off x="6474141" y="4906621"/>
+            <a:ext cx="2064097" cy="923330"/>
+          </a:xfrm>
+          <a:prstGeom prst="rect">
+            <a:avLst/>
+          </a:prstGeom>
+          <a:noFill/>
+        </p:spPr>
+        <p:txBody>
+          <a:bodyPr wrap="square" rtlCol="0">
+            <a:spAutoFit/>
+          </a:bodyPr>
+          <a:lstStyle/>
+          <a:p>
+            <a:pPr algn="ctr"/>
+            <a:r>
+              <a:rPr lang="en-GB" dirty="0" err="1"/>
+              <a:t>Justs</a:t>
+            </a:r>
+            <a:r>
+              <a:rPr lang="en-GB" dirty="0"/>
+              <a:t> </a:t>
+            </a:r>
+            <a:r>
+              <a:rPr lang="en-GB" dirty="0" err="1"/>
+              <a:t>Zarins</a:t>
+            </a:r>
+            <a:endParaRPr lang="en-GB" dirty="0"/>
+          </a:p>
+          <a:p>
+            <a:pPr algn="ctr"/>
+            <a:r>
+              <a:rPr lang="en-GB" dirty="0"/>
+              <a:t>EPCC University of Edinburgh</a:t>
+            </a:r>
+          </a:p>
+        </p:txBody>
+      </p:sp>
     </p:spTree>
     <p:extLst>
       <p:ext uri="{BB962C8B-B14F-4D97-AF65-F5344CB8AC3E}">
@@ -6675,14 +6761,14 @@
           <p:nvPr>
             <p:extLst>
               <p:ext uri="{D42A27DB-BD31-4B8C-83A1-F6EECF244321}">
-                <p14:modId xmlns:p14="http://schemas.microsoft.com/office/powerpoint/2010/main" val="3114977231"/>
+                <p14:modId xmlns:p14="http://schemas.microsoft.com/office/powerpoint/2010/main" val="2275294339"/>
               </p:ext>
             </p:extLst>
           </p:nvPr>
         </p:nvGraphicFramePr>
         <p:xfrm>
-          <a:off x="1795748" y="1488793"/>
-          <a:ext cx="8600504" cy="4744720"/>
+          <a:off x="1795748" y="1700808"/>
+          <a:ext cx="8600504" cy="4003040"/>
         </p:xfrm>
         <a:graphic>
           <a:graphicData uri="http://schemas.openxmlformats.org/drawingml/2006/table">
@@ -6767,7 +6853,7 @@
                     <a:p>
                       <a:r>
                         <a:rPr lang="en-GB" sz="1400" dirty="0"/>
-                        <a:t>9:00 – 9:05</a:t>
+                        <a:t>9:30 – 9:35</a:t>
                       </a:r>
                     </a:p>
                   </a:txBody>
@@ -6822,7 +6908,7 @@
                     <a:p>
                       <a:r>
                         <a:rPr lang="en-GB" sz="1400" dirty="0"/>
-                        <a:t>9:05 – 9:25</a:t>
+                        <a:t>9:35 – 9:55</a:t>
                       </a:r>
                     </a:p>
                   </a:txBody>
@@ -6877,7 +6963,7 @@
                     <a:p>
                       <a:r>
                         <a:rPr lang="en-GB" sz="1400" dirty="0"/>
-                        <a:t>9:25 – 9:35</a:t>
+                        <a:t>9:55 – 10:00</a:t>
                       </a:r>
                     </a:p>
                   </a:txBody>
@@ -6932,7 +7018,7 @@
                     <a:p>
                       <a:r>
                         <a:rPr lang="en-GB" sz="1400" dirty="0"/>
-                        <a:t>9:35 – 10:35</a:t>
+                        <a:t>10:00 – 11:00</a:t>
                       </a:r>
                     </a:p>
                   </a:txBody>
@@ -6987,7 +7073,7 @@
                     <a:p>
                       <a:r>
                         <a:rPr lang="en-GB" sz="1400" dirty="0"/>
-                        <a:t>10:35 – 11:00</a:t>
+                        <a:t>11:00 – 11:25</a:t>
                       </a:r>
                     </a:p>
                   </a:txBody>
@@ -7008,7 +7094,7 @@
                           <a:ea typeface="+mn-ea"/>
                           <a:cs typeface="+mn-cs"/>
                         </a:rPr>
-                        <a:t>Hands-on practical activity one</a:t>
+                        <a:t>Hands-on practical activity one &amp; coffee</a:t>
                       </a:r>
                       <a:endParaRPr lang="en-GB" sz="1400" dirty="0"/>
                     </a:p>
@@ -7042,114 +7128,7 @@
                     <a:p>
                       <a:r>
                         <a:rPr lang="en-GB" sz="1400" dirty="0"/>
-                        <a:t>11:00 – 11:30</a:t>
-                      </a:r>
-                    </a:p>
-                  </a:txBody>
-                  <a:tcPr/>
-                </a:tc>
-                <a:tc>
-                  <a:txBody>
-                    <a:bodyPr/>
-                    <a:lstStyle/>
-                    <a:p>
-                      <a:r>
-                        <a:rPr lang="en-GB" sz="1400" kern="1200" dirty="0">
-                          <a:solidFill>
-                            <a:schemeClr val="dk1"/>
-                          </a:solidFill>
-                          <a:effectLst/>
-                          <a:latin typeface="+mn-lt"/>
-                          <a:ea typeface="+mn-ea"/>
-                          <a:cs typeface="+mn-cs"/>
-                        </a:rPr>
-                        <a:t>ISC morning break</a:t>
-                      </a:r>
-                      <a:endParaRPr lang="en-GB" sz="1400" dirty="0"/>
-                    </a:p>
-                  </a:txBody>
-                  <a:tcPr/>
-                </a:tc>
-                <a:tc>
-                  <a:txBody>
-                    <a:bodyPr/>
-                    <a:lstStyle/>
-                    <a:p>
-                      <a:endParaRPr lang="en-GB" sz="1400"/>
-                    </a:p>
-                  </a:txBody>
-                  <a:tcPr/>
-                </a:tc>
-                <a:extLst>
-                  <a:ext uri="{0D108BD9-81ED-4DB2-BD59-A6C34878D82A}">
-                    <a16:rowId xmlns:a16="http://schemas.microsoft.com/office/drawing/2014/main" val="867590926"/>
-                  </a:ext>
-                </a:extLst>
-              </a:tr>
-              <a:tr h="370840">
-                <a:tc>
-                  <a:txBody>
-                    <a:bodyPr/>
-                    <a:lstStyle/>
-                    <a:p>
-                      <a:r>
-                        <a:rPr lang="en-GB" sz="1400" dirty="0"/>
-                        <a:t>11:30 – 11:35</a:t>
-                      </a:r>
-                    </a:p>
-                  </a:txBody>
-                  <a:tcPr/>
-                </a:tc>
-                <a:tc>
-                  <a:txBody>
-                    <a:bodyPr/>
-                    <a:lstStyle/>
-                    <a:p>
-                      <a:r>
-                        <a:rPr lang="en-GB" sz="1400" kern="1200" dirty="0">
-                          <a:solidFill>
-                            <a:schemeClr val="dk1"/>
-                          </a:solidFill>
-                          <a:effectLst/>
-                          <a:latin typeface="+mn-lt"/>
-                          <a:ea typeface="+mn-ea"/>
-                          <a:cs typeface="+mn-cs"/>
-                        </a:rPr>
-                        <a:t>Welcome back and overview of second part</a:t>
-                      </a:r>
-                      <a:endParaRPr lang="en-GB" sz="1400" dirty="0"/>
-                    </a:p>
-                  </a:txBody>
-                  <a:tcPr/>
-                </a:tc>
-                <a:tc>
-                  <a:txBody>
-                    <a:bodyPr/>
-                    <a:lstStyle/>
-                    <a:p>
-                      <a:r>
-                        <a:rPr lang="en-GB" sz="1400" dirty="0"/>
-                        <a:t>Presentation</a:t>
-                      </a:r>
-                    </a:p>
-                  </a:txBody>
-                  <a:tcPr/>
-                </a:tc>
-                <a:extLst>
-                  <a:ext uri="{0D108BD9-81ED-4DB2-BD59-A6C34878D82A}">
-                    <a16:rowId xmlns:a16="http://schemas.microsoft.com/office/drawing/2014/main" val="3539577011"/>
-                  </a:ext>
-                </a:extLst>
-              </a:tr>
-              <a:tr h="370840">
-                <a:tc>
-                  <a:txBody>
-                    <a:bodyPr/>
-                    <a:lstStyle/>
-                    <a:p>
-                      <a:r>
-                        <a:rPr lang="en-GB" sz="1400" dirty="0"/>
-                        <a:t>11:35 – 11:55</a:t>
+                        <a:t>11:25 – 11:45</a:t>
                       </a:r>
                     </a:p>
                   </a:txBody>
@@ -7224,7 +7203,7 @@
                     <a:p>
                       <a:r>
                         <a:rPr lang="en-GB" sz="1400" dirty="0"/>
-                        <a:t>11:55 – 12:45</a:t>
+                        <a:t>11:45 – 12:15</a:t>
                       </a:r>
                     </a:p>
                   </a:txBody>
@@ -7279,7 +7258,7 @@
                     <a:p>
                       <a:r>
                         <a:rPr lang="en-GB" sz="1400" dirty="0"/>
-                        <a:t>12:45 – 12:52</a:t>
+                        <a:t>12:15 – 12:25</a:t>
                       </a:r>
                     </a:p>
                   </a:txBody>
@@ -7334,7 +7313,7 @@
                     <a:p>
                       <a:r>
                         <a:rPr lang="en-GB" sz="1400" dirty="0"/>
-                        <a:t>12:52 – 13:00</a:t>
+                        <a:t>12:25 – 12:30</a:t>
                       </a:r>
                     </a:p>
                   </a:txBody>
@@ -7420,7 +7399,7 @@
                   <a:srgbClr val="FF0000"/>
                 </a:solidFill>
               </a:rPr>
-              <a:t>We will be doing the hands on and walk throughs on a real CS-2, more information about how to connect to that a little later</a:t>
+              <a:t>We will be doing the hands on and walk throughs sdf-cs1, more information about how to connect to that a little later</a:t>
             </a:r>
           </a:p>
         </p:txBody>

--- a/lectures/powerpoints/Welcome and overview.pptx
+++ b/lectures/powerpoints/Welcome and overview.pptx
@@ -141,7 +141,7 @@
 <file path=ppt/revisionInfo.xml><?xml version="1.0" encoding="utf-8"?>
 <p1510:revInfo xmlns:a="http://schemas.openxmlformats.org/drawingml/2006/main" xmlns:r="http://schemas.openxmlformats.org/officeDocument/2006/relationships" xmlns:p1510="http://schemas.microsoft.com/office/powerpoint/2015/10/main">
   <p1510:revLst>
-    <p1510:client id="{F178F98C-64F6-453A-BF65-65232B90493D}" v="38" dt="2024-05-01T20:58:14.157"/>
+    <p1510:client id="{F178F98C-64F6-453A-BF65-65232B90493D}" v="43" dt="2024-05-06T12:10:17.917"/>
   </p1510:revLst>
 </p1510:revInfo>
 </file>
@@ -203,7 +203,7 @@
           <a:p>
             <a:fld id="{237A3326-6BE8-4DE2-A526-66D6DC5DC342}" type="datetimeFigureOut">
               <a:rPr lang="en-GB" smtClean="0"/>
-              <a:t>01/05/2024</a:t>
+              <a:t>06/05/2024</a:t>
             </a:fld>
             <a:endParaRPr lang="en-GB"/>
           </a:p>
@@ -380,7 +380,7 @@
           <a:p>
             <a:fld id="{198E9702-0021-4473-93B9-41638846F4C4}" type="datetimeFigureOut">
               <a:rPr lang="en-GB" smtClean="0"/>
-              <a:t>01/05/2024</a:t>
+              <a:t>06/05/2024</a:t>
             </a:fld>
             <a:endParaRPr lang="en-GB"/>
           </a:p>
@@ -892,7 +892,7 @@
           <a:p>
             <a:fld id="{B1836D41-3C4D-1D49-AA54-4231464E6415}" type="datetimeFigureOut">
               <a:rPr lang="en-US" smtClean="0"/>
-              <a:t>5/1/2024</a:t>
+              <a:t>5/6/2024</a:t>
             </a:fld>
             <a:endParaRPr lang="en-US"/>
           </a:p>
@@ -1096,7 +1096,7 @@
           <a:p>
             <a:fld id="{B1836D41-3C4D-1D49-AA54-4231464E6415}" type="datetimeFigureOut">
               <a:rPr lang="en-US" smtClean="0"/>
-              <a:t>5/1/2024</a:t>
+              <a:t>5/6/2024</a:t>
             </a:fld>
             <a:endParaRPr lang="en-US"/>
           </a:p>
@@ -1277,7 +1277,7 @@
           <a:p>
             <a:fld id="{B1836D41-3C4D-1D49-AA54-4231464E6415}" type="datetimeFigureOut">
               <a:rPr lang="en-US" smtClean="0"/>
-              <a:t>5/1/2024</a:t>
+              <a:t>5/6/2024</a:t>
             </a:fld>
             <a:endParaRPr lang="en-US"/>
           </a:p>
@@ -1452,7 +1452,7 @@
           <a:p>
             <a:fld id="{B1836D41-3C4D-1D49-AA54-4231464E6415}" type="datetimeFigureOut">
               <a:rPr lang="en-US" smtClean="0"/>
-              <a:t>5/1/2024</a:t>
+              <a:t>5/6/2024</a:t>
             </a:fld>
             <a:endParaRPr lang="en-US"/>
           </a:p>
@@ -1700,7 +1700,7 @@
           <a:p>
             <a:fld id="{B1836D41-3C4D-1D49-AA54-4231464E6415}" type="datetimeFigureOut">
               <a:rPr lang="en-US" smtClean="0"/>
-              <a:t>5/1/2024</a:t>
+              <a:t>5/6/2024</a:t>
             </a:fld>
             <a:endParaRPr lang="en-US"/>
           </a:p>
@@ -2017,7 +2017,7 @@
           <a:p>
             <a:fld id="{B1836D41-3C4D-1D49-AA54-4231464E6415}" type="datetimeFigureOut">
               <a:rPr lang="en-US" smtClean="0"/>
-              <a:t>5/1/2024</a:t>
+              <a:t>5/6/2024</a:t>
             </a:fld>
             <a:endParaRPr lang="en-US"/>
           </a:p>
@@ -2483,7 +2483,7 @@
           <a:p>
             <a:fld id="{B1836D41-3C4D-1D49-AA54-4231464E6415}" type="datetimeFigureOut">
               <a:rPr lang="en-US" smtClean="0"/>
-              <a:t>5/1/2024</a:t>
+              <a:t>5/6/2024</a:t>
             </a:fld>
             <a:endParaRPr lang="en-US"/>
           </a:p>
@@ -2630,7 +2630,7 @@
           <a:p>
             <a:fld id="{B1836D41-3C4D-1D49-AA54-4231464E6415}" type="datetimeFigureOut">
               <a:rPr lang="en-US" smtClean="0"/>
-              <a:t>5/1/2024</a:t>
+              <a:t>5/6/2024</a:t>
             </a:fld>
             <a:endParaRPr lang="en-US"/>
           </a:p>
@@ -2720,7 +2720,7 @@
           <a:p>
             <a:fld id="{B1836D41-3C4D-1D49-AA54-4231464E6415}" type="datetimeFigureOut">
               <a:rPr lang="en-US" smtClean="0"/>
-              <a:t>5/1/2024</a:t>
+              <a:t>5/6/2024</a:t>
             </a:fld>
             <a:endParaRPr lang="en-US"/>
           </a:p>
@@ -2994,7 +2994,7 @@
           <a:p>
             <a:fld id="{B1836D41-3C4D-1D49-AA54-4231464E6415}" type="datetimeFigureOut">
               <a:rPr lang="en-US" smtClean="0"/>
-              <a:t>5/1/2024</a:t>
+              <a:t>5/6/2024</a:t>
             </a:fld>
             <a:endParaRPr lang="en-US"/>
           </a:p>
@@ -3299,7 +3299,7 @@
           <a:p>
             <a:fld id="{B1836D41-3C4D-1D49-AA54-4231464E6415}" type="datetimeFigureOut">
               <a:rPr lang="en-US" smtClean="0"/>
-              <a:t>5/1/2024</a:t>
+              <a:t>5/6/2024</a:t>
             </a:fld>
             <a:endParaRPr lang="en-US"/>
           </a:p>
@@ -3596,7 +3596,7 @@
           <a:p>
             <a:fld id="{B1836D41-3C4D-1D49-AA54-4231464E6415}" type="datetimeFigureOut">
               <a:rPr lang="en-US" smtClean="0"/>
-              <a:t>5/1/2024</a:t>
+              <a:t>5/6/2024</a:t>
             </a:fld>
             <a:endParaRPr lang="en-US"/>
           </a:p>
@@ -4163,99 +4163,6 @@
           </a:p>
         </p:txBody>
       </p:sp>
-      <p:sp>
-        <p:nvSpPr>
-          <p:cNvPr id="8" name="TextBox 7">
-            <a:extLst>
-              <a:ext uri="{FF2B5EF4-FFF2-40B4-BE49-F238E27FC236}">
-                <a16:creationId xmlns:a16="http://schemas.microsoft.com/office/drawing/2014/main" id="{58FF9C2C-2F39-3199-314E-3D3CCC22105B}"/>
-              </a:ext>
-            </a:extLst>
-          </p:cNvPr>
-          <p:cNvSpPr txBox="1"/>
-          <p:nvPr/>
-        </p:nvSpPr>
-        <p:spPr>
-          <a:xfrm>
-            <a:off x="3133317" y="4911595"/>
-            <a:ext cx="2064097" cy="923330"/>
-          </a:xfrm>
-          <a:prstGeom prst="rect">
-            <a:avLst/>
-          </a:prstGeom>
-          <a:noFill/>
-        </p:spPr>
-        <p:txBody>
-          <a:bodyPr wrap="square" rtlCol="0">
-            <a:spAutoFit/>
-          </a:bodyPr>
-          <a:lstStyle/>
-          <a:p>
-            <a:pPr algn="ctr"/>
-            <a:r>
-              <a:rPr lang="en-GB" dirty="0"/>
-              <a:t>Joseph Lee</a:t>
-            </a:r>
-          </a:p>
-          <a:p>
-            <a:pPr algn="ctr"/>
-            <a:r>
-              <a:rPr lang="en-GB" dirty="0"/>
-              <a:t>EPCC University of Edinburgh</a:t>
-            </a:r>
-          </a:p>
-        </p:txBody>
-      </p:sp>
-      <p:pic>
-        <p:nvPicPr>
-          <p:cNvPr id="2" name="Picture 2" descr="Joseph Lee">
-            <a:extLst>
-              <a:ext uri="{FF2B5EF4-FFF2-40B4-BE49-F238E27FC236}">
-                <a16:creationId xmlns:a16="http://schemas.microsoft.com/office/drawing/2014/main" id="{83F9E9A3-5380-B6CA-6455-3846C6240FB7}"/>
-              </a:ext>
-            </a:extLst>
-          </p:cNvPr>
-          <p:cNvPicPr>
-            <a:picLocks noChangeAspect="1" noChangeArrowheads="1"/>
-          </p:cNvPicPr>
-          <p:nvPr/>
-        </p:nvPicPr>
-        <p:blipFill rotWithShape="1">
-          <a:blip r:embed="rId4">
-            <a:extLst>
-              <a:ext uri="{28A0092B-C50C-407E-A947-70E740481C1C}">
-                <a14:useLocalDpi xmlns:a14="http://schemas.microsoft.com/office/drawing/2010/main" val="0"/>
-              </a:ext>
-            </a:extLst>
-          </a:blip>
-          <a:srcRect l="10311" r="10311" b="40928"/>
-          <a:stretch/>
-        </p:blipFill>
-        <p:spPr bwMode="auto">
-          <a:xfrm>
-            <a:off x="3078820" y="2697289"/>
-            <a:ext cx="2173089" cy="2184572"/>
-          </a:xfrm>
-          <a:prstGeom prst="ellipse">
-            <a:avLst/>
-          </a:prstGeom>
-          <a:ln>
-            <a:noFill/>
-          </a:ln>
-          <a:effectLst>
-            <a:softEdge rad="112500"/>
-          </a:effectLst>
-          <a:extLst>
-            <a:ext uri="{909E8E84-426E-40DD-AFC4-6F175D3DCCD1}">
-              <a14:hiddenFill xmlns:a14="http://schemas.microsoft.com/office/drawing/2010/main">
-                <a:solidFill>
-                  <a:srgbClr val="FFFFFF"/>
-                </a:solidFill>
-              </a14:hiddenFill>
-            </a:ext>
-          </a:extLst>
-        </p:spPr>
-      </p:pic>
       <p:pic>
         <p:nvPicPr>
           <p:cNvPr id="1030" name="Picture 6" descr="EPCC">
@@ -4271,7 +4178,7 @@
           <p:nvPr/>
         </p:nvPicPr>
         <p:blipFill rotWithShape="1">
-          <a:blip r:embed="rId5">
+          <a:blip r:embed="rId4">
             <a:extLst>
               <a:ext uri="{28A0092B-C50C-407E-A947-70E740481C1C}">
                 <a14:useLocalDpi xmlns:a14="http://schemas.microsoft.com/office/drawing/2010/main" val="0"/>
@@ -4316,7 +4223,7 @@
           <p:nvPr/>
         </p:nvPicPr>
         <p:blipFill>
-          <a:blip r:embed="rId6"/>
+          <a:blip r:embed="rId5"/>
           <a:stretch>
             <a:fillRect/>
           </a:stretch>
@@ -4346,7 +4253,7 @@
           <p:nvPr/>
         </p:nvPicPr>
         <p:blipFill>
-          <a:blip r:embed="rId7">
+          <a:blip r:embed="rId6">
             <a:extLst>
               <a:ext uri="{28A0092B-C50C-407E-A947-70E740481C1C}">
                 <a14:useLocalDpi xmlns:a14="http://schemas.microsoft.com/office/drawing/2010/main" val="0"/>
@@ -4393,7 +4300,7 @@
           <p:nvPr/>
         </p:nvPicPr>
         <p:blipFill rotWithShape="1">
-          <a:blip r:embed="rId8">
+          <a:blip r:embed="rId7">
             <a:extLst>
               <a:ext uri="{28A0092B-C50C-407E-A947-70E740481C1C}">
                 <a14:useLocalDpi xmlns:a14="http://schemas.microsoft.com/office/drawing/2010/main" val="0"/>
@@ -4491,7 +4398,7 @@
           <p:nvPr/>
         </p:nvPicPr>
         <p:blipFill>
-          <a:blip r:embed="rId9">
+          <a:blip r:embed="rId8">
             <a:extLst>
               <a:ext uri="{28A0092B-C50C-407E-A947-70E740481C1C}">
                 <a14:useLocalDpi xmlns:a14="http://schemas.microsoft.com/office/drawing/2010/main" val="0"/>
@@ -4580,6 +4487,122 @@
           </a:p>
         </p:txBody>
       </p:sp>
+      <p:sp>
+        <p:nvSpPr>
+          <p:cNvPr id="4" name="TextBox 3">
+            <a:extLst>
+              <a:ext uri="{FF2B5EF4-FFF2-40B4-BE49-F238E27FC236}">
+                <a16:creationId xmlns:a16="http://schemas.microsoft.com/office/drawing/2014/main" id="{1E348F06-21D1-DBD8-B760-8DAA12B76071}"/>
+              </a:ext>
+            </a:extLst>
+          </p:cNvPr>
+          <p:cNvSpPr txBox="1"/>
+          <p:nvPr/>
+        </p:nvSpPr>
+        <p:spPr>
+          <a:xfrm>
+            <a:off x="3215221" y="5016539"/>
+            <a:ext cx="2064097" cy="646331"/>
+          </a:xfrm>
+          <a:prstGeom prst="rect">
+            <a:avLst/>
+          </a:prstGeom>
+          <a:noFill/>
+        </p:spPr>
+        <p:txBody>
+          <a:bodyPr wrap="square" rtlCol="0">
+            <a:spAutoFit/>
+          </a:bodyPr>
+          <a:lstStyle/>
+          <a:p>
+            <a:pPr algn="ctr"/>
+            <a:r>
+              <a:rPr lang="en-GB" sz="1800" b="0" i="0" u="none" strike="noStrike" dirty="0">
+                <a:solidFill>
+                  <a:srgbClr val="000000"/>
+                </a:solidFill>
+                <a:effectLst/>
+                <a:latin typeface="Arial" panose="020B0604020202020204" pitchFamily="34" charset="0"/>
+              </a:rPr>
+              <a:t>Leighton Wilson</a:t>
+            </a:r>
+          </a:p>
+          <a:p>
+            <a:pPr algn="ctr"/>
+            <a:r>
+              <a:rPr lang="en-GB" dirty="0" err="1">
+                <a:solidFill>
+                  <a:srgbClr val="000000"/>
+                </a:solidFill>
+                <a:latin typeface="Arial" panose="020B0604020202020204" pitchFamily="34" charset="0"/>
+              </a:rPr>
+              <a:t>Cerebras</a:t>
+            </a:r>
+            <a:r>
+              <a:rPr lang="en-GB" dirty="0">
+                <a:solidFill>
+                  <a:srgbClr val="000000"/>
+                </a:solidFill>
+                <a:latin typeface="Arial" panose="020B0604020202020204" pitchFamily="34" charset="0"/>
+              </a:rPr>
+              <a:t> Systems</a:t>
+            </a:r>
+            <a:endParaRPr lang="en-GB" dirty="0"/>
+          </a:p>
+        </p:txBody>
+      </p:sp>
+      <p:pic>
+        <p:nvPicPr>
+          <p:cNvPr id="9" name="Picture 4" descr="Leighton Wilson, Author at Cerebras">
+            <a:extLst>
+              <a:ext uri="{FF2B5EF4-FFF2-40B4-BE49-F238E27FC236}">
+                <a16:creationId xmlns:a16="http://schemas.microsoft.com/office/drawing/2014/main" id="{5C000CCB-E2F8-5660-B331-520134E275F4}"/>
+              </a:ext>
+            </a:extLst>
+          </p:cNvPr>
+          <p:cNvPicPr>
+            <a:picLocks noChangeAspect="1" noChangeArrowheads="1"/>
+          </p:cNvPicPr>
+          <p:nvPr/>
+        </p:nvPicPr>
+        <p:blipFill>
+          <a:blip r:embed="rId9">
+            <a:extLst>
+              <a:ext uri="{28A0092B-C50C-407E-A947-70E740481C1C}">
+                <a14:useLocalDpi xmlns:a14="http://schemas.microsoft.com/office/drawing/2010/main" val="0"/>
+              </a:ext>
+            </a:extLst>
+          </a:blip>
+          <a:srcRect/>
+          <a:stretch>
+            <a:fillRect/>
+          </a:stretch>
+        </p:blipFill>
+        <p:spPr bwMode="auto">
+          <a:xfrm>
+            <a:off x="3242904" y="2619567"/>
+            <a:ext cx="2248566" cy="2248566"/>
+          </a:xfrm>
+          <a:prstGeom prst="ellipse">
+            <a:avLst/>
+          </a:prstGeom>
+          <a:ln>
+            <a:noFill/>
+          </a:ln>
+          <a:effectLst>
+            <a:softEdge rad="112500"/>
+          </a:effectLst>
+          <a:extLst>
+            <a:ext uri="{909E8E84-426E-40DD-AFC4-6F175D3DCCD1}">
+              <a14:hiddenFill xmlns:a14="http://schemas.microsoft.com/office/drawing/2010/main">
+                <a:solidFill>
+                  <a:srgbClr val="FFFFFF"/>
+                </a:solidFill>
+              </a14:hiddenFill>
+            </a:ext>
+          </a:extLst>
+        </p:spPr>
+      </p:pic>
     </p:spTree>
     <p:extLst>
       <p:ext uri="{BB962C8B-B14F-4D97-AF65-F5344CB8AC3E}">
@@ -6761,7 +6784,7 @@
           <p:nvPr>
             <p:extLst>
               <p:ext uri="{D42A27DB-BD31-4B8C-83A1-F6EECF244321}">
-                <p14:modId xmlns:p14="http://schemas.microsoft.com/office/powerpoint/2010/main" val="2275294339"/>
+                <p14:modId xmlns:p14="http://schemas.microsoft.com/office/powerpoint/2010/main" val="245268528"/>
               </p:ext>
             </p:extLst>
           </p:nvPr>
@@ -6853,7 +6876,7 @@
                     <a:p>
                       <a:r>
                         <a:rPr lang="en-GB" sz="1400" dirty="0"/>
-                        <a:t>9:30 – 9:35</a:t>
+                        <a:t>9:00 – 9:05</a:t>
                       </a:r>
                     </a:p>
                   </a:txBody>
@@ -6908,7 +6931,7 @@
                     <a:p>
                       <a:r>
                         <a:rPr lang="en-GB" sz="1400" dirty="0"/>
-                        <a:t>9:35 – 9:55</a:t>
+                        <a:t>9:05 – 9:25</a:t>
                       </a:r>
                     </a:p>
                   </a:txBody>
@@ -6963,7 +6986,7 @@
                     <a:p>
                       <a:r>
                         <a:rPr lang="en-GB" sz="1400" dirty="0"/>
-                        <a:t>9:55 – 10:00</a:t>
+                        <a:t>9:25 – 9:35</a:t>
                       </a:r>
                     </a:p>
                   </a:txBody>
@@ -7018,7 +7041,7 @@
                     <a:p>
                       <a:r>
                         <a:rPr lang="en-GB" sz="1400" dirty="0"/>
-                        <a:t>10:00 – 11:00</a:t>
+                        <a:t>9:35 – 10:25</a:t>
                       </a:r>
                     </a:p>
                   </a:txBody>
@@ -7073,7 +7096,7 @@
                     <a:p>
                       <a:r>
                         <a:rPr lang="en-GB" sz="1400" dirty="0"/>
-                        <a:t>11:00 – 11:25</a:t>
+                        <a:t>10:25 – 11:00</a:t>
                       </a:r>
                     </a:p>
                   </a:txBody>
@@ -7128,7 +7151,7 @@
                     <a:p>
                       <a:r>
                         <a:rPr lang="en-GB" sz="1400" dirty="0"/>
-                        <a:t>11:25 – 11:45</a:t>
+                        <a:t>11:00 – 11:20</a:t>
                       </a:r>
                     </a:p>
                   </a:txBody>
@@ -7203,7 +7226,7 @@
                     <a:p>
                       <a:r>
                         <a:rPr lang="en-GB" sz="1400" dirty="0"/>
-                        <a:t>11:45 – 12:15</a:t>
+                        <a:t>11:20 – 11:50</a:t>
                       </a:r>
                     </a:p>
                   </a:txBody>
@@ -7258,7 +7281,7 @@
                     <a:p>
                       <a:r>
                         <a:rPr lang="en-GB" sz="1400" dirty="0"/>
-                        <a:t>12:15 – 12:25</a:t>
+                        <a:t>11:50 – 11:55</a:t>
                       </a:r>
                     </a:p>
                   </a:txBody>
@@ -7313,7 +7336,7 @@
                     <a:p>
                       <a:r>
                         <a:rPr lang="en-GB" sz="1400" dirty="0"/>
-                        <a:t>12:25 – 12:30</a:t>
+                        <a:t>11:55 – 12:00</a:t>
                       </a:r>
                     </a:p>
                   </a:txBody>
